--- a/084_TTestPValue.pptx
+++ b/084_TTestPValue.pptx
@@ -5,7 +5,7 @@
     <p:sldMasterId id="2147483648" r:id="rId1"/>
   </p:sldMasterIdLst>
   <p:notesMasterIdLst>
-    <p:notesMasterId r:id="rId24"/>
+    <p:notesMasterId r:id="rId26"/>
   </p:notesMasterIdLst>
   <p:sldIdLst>
     <p:sldId id="256" r:id="rId2"/>
@@ -29,7 +29,9 @@
     <p:sldId id="336" r:id="rId20"/>
     <p:sldId id="338" r:id="rId21"/>
     <p:sldId id="339" r:id="rId22"/>
-    <p:sldId id="259" r:id="rId23"/>
+    <p:sldId id="340" r:id="rId23"/>
+    <p:sldId id="341" r:id="rId24"/>
+    <p:sldId id="259" r:id="rId25"/>
   </p:sldIdLst>
   <p:sldSz cx="9144000" cy="6858000" type="screen4x3"/>
   <p:notesSz cx="6858000" cy="9144000"/>
@@ -7198,7 +7200,7 @@
                 </a:solidFill>
                 <a:effectLst/>
               </a:rPr>
-              <a:t>As I said in our previous lecture, variance is your enemy when you're running an AB test, so how do we account for that?</a:t>
+              <a:t>As I said in our previous lecture, variance is your enemy when you're running an A/B test, so how do we account for that?</a:t>
             </a:r>
           </a:p>
         </p:txBody>
@@ -7587,8 +7589,8 @@
         </p:nvSpPr>
         <p:spPr>
           <a:xfrm>
-            <a:off x="457200" y="1305201"/>
-            <a:ext cx="8291263" cy="2123799"/>
+            <a:off x="389744" y="1412777"/>
+            <a:ext cx="8291263" cy="2520280"/>
           </a:xfrm>
           <a:ln>
             <a:solidFill>
@@ -7658,7 +7660,26 @@
                 </a:solidFill>
                 <a:effectLst/>
               </a:rPr>
-              <a:t>Let's go to an actual example and see how you might measure a T-Statistics and P-Values using Python, up next. That's the T-Test, the T-Statistic, and the P-Value.</a:t>
+              <a:t>Let's go to an actual example and see how you might measure a T-Statistics and P-Values using Python, up next. </a:t>
+            </a:r>
+          </a:p>
+          <a:p>
+            <a:pPr marL="342900" indent="-342900" algn="l">
+              <a:buClr>
+                <a:srgbClr val="0070C0"/>
+              </a:buClr>
+              <a:buSzPct val="80000"/>
+              <a:buFont typeface="Wingdings" pitchFamily="2" charset="2"/>
+              <a:buChar char="u"/>
+            </a:pPr>
+            <a:r>
+              <a:rPr lang="en-US" sz="1800" b="1" i="0" dirty="0">
+                <a:solidFill>
+                  <a:srgbClr val="29303B"/>
+                </a:solidFill>
+                <a:effectLst/>
+              </a:rPr>
+              <a:t>That's the T-Test, the T-Statistic, and the P-Value.</a:t>
             </a:r>
           </a:p>
           <a:p>
@@ -7874,6 +7895,372 @@
             <a:off x="0" y="2130425"/>
             <a:ext cx="9144000" cy="1470025"/>
           </a:xfrm>
+          <a:solidFill>
+            <a:srgbClr val="00B0F0"/>
+          </a:solidFill>
+        </p:spPr>
+        <p:txBody>
+          <a:bodyPr>
+            <a:normAutofit/>
+          </a:bodyPr>
+          <a:lstStyle/>
+          <a:p>
+            <a:r>
+              <a:rPr lang="en-US" altLang="zh-TW" sz="4000" b="1" dirty="0">
+                <a:solidFill>
+                  <a:srgbClr val="FFFF00"/>
+                </a:solidFill>
+              </a:rPr>
+              <a:t>84.6 Summary</a:t>
+            </a:r>
+            <a:endParaRPr lang="zh-TW" altLang="en-US" sz="4000" b="1" dirty="0">
+              <a:solidFill>
+                <a:srgbClr val="FFFF00"/>
+              </a:solidFill>
+            </a:endParaRPr>
+          </a:p>
+        </p:txBody>
+      </p:sp>
+      <p:sp>
+        <p:nvSpPr>
+          <p:cNvPr id="5" name="日期版面配置區 4"/>
+          <p:cNvSpPr>
+            <a:spLocks noGrp="1"/>
+          </p:cNvSpPr>
+          <p:nvPr>
+            <p:ph type="dt" sz="half" idx="10"/>
+          </p:nvPr>
+        </p:nvSpPr>
+        <p:spPr/>
+        <p:txBody>
+          <a:bodyPr/>
+          <a:lstStyle/>
+          <a:p>
+            <a:fld id="{C389EDC9-19E3-47AC-9C57-C6A24DEA81AD}" type="datetime1">
+              <a:rPr lang="zh-TW" altLang="en-US" smtClean="0"/>
+              <a:pPr/>
+              <a:t>2020/9/12</a:t>
+            </a:fld>
+            <a:endParaRPr lang="zh-TW" altLang="en-US"/>
+          </a:p>
+        </p:txBody>
+      </p:sp>
+      <p:sp>
+        <p:nvSpPr>
+          <p:cNvPr id="6" name="投影片編號版面配置區 5"/>
+          <p:cNvSpPr>
+            <a:spLocks noGrp="1"/>
+          </p:cNvSpPr>
+          <p:nvPr>
+            <p:ph type="sldNum" sz="quarter" idx="12"/>
+          </p:nvPr>
+        </p:nvSpPr>
+        <p:spPr/>
+        <p:txBody>
+          <a:bodyPr/>
+          <a:lstStyle/>
+          <a:p>
+            <a:fld id="{E4D7E63D-91F2-4366-A2C4-1B00C9E2590E}" type="slidenum">
+              <a:rPr lang="zh-TW" altLang="en-US" smtClean="0"/>
+              <a:pPr/>
+              <a:t>22</a:t>
+            </a:fld>
+            <a:endParaRPr lang="zh-TW" altLang="en-US"/>
+          </a:p>
+        </p:txBody>
+      </p:sp>
+      <p:pic>
+        <p:nvPicPr>
+          <p:cNvPr id="7" name="Picture 6">
+            <a:extLst>
+              <a:ext uri="{FF2B5EF4-FFF2-40B4-BE49-F238E27FC236}">
+                <a16:creationId xmlns:a16="http://schemas.microsoft.com/office/drawing/2014/main" id="{1BE488C5-DA27-405E-9F7E-A4EF5DF95762}"/>
+              </a:ext>
+            </a:extLst>
+          </p:cNvPr>
+          <p:cNvPicPr>
+            <a:picLocks noChangeAspect="1"/>
+          </p:cNvPicPr>
+          <p:nvPr/>
+        </p:nvPicPr>
+        <p:blipFill>
+          <a:blip r:embed="rId2"/>
+          <a:stretch>
+            <a:fillRect/>
+          </a:stretch>
+        </p:blipFill>
+        <p:spPr>
+          <a:xfrm>
+            <a:off x="3923928" y="3695964"/>
+            <a:ext cx="1004960" cy="885164"/>
+          </a:xfrm>
+          <a:prstGeom prst="rect">
+            <a:avLst/>
+          </a:prstGeom>
+        </p:spPr>
+      </p:pic>
+    </p:spTree>
+    <p:extLst>
+      <p:ext uri="{BB962C8B-B14F-4D97-AF65-F5344CB8AC3E}">
+        <p14:creationId xmlns:p14="http://schemas.microsoft.com/office/powerpoint/2010/main" val="725989150"/>
+      </p:ext>
+    </p:extLst>
+  </p:cSld>
+  <p:clrMapOvr>
+    <a:masterClrMapping/>
+  </p:clrMapOvr>
+</p:sld>
+</file>
+
+<file path=ppt/slides/slide23.xml><?xml version="1.0" encoding="utf-8"?>
+<p:sld xmlns:a="http://schemas.openxmlformats.org/drawingml/2006/main" xmlns:r="http://schemas.openxmlformats.org/officeDocument/2006/relationships" xmlns:p="http://schemas.openxmlformats.org/presentationml/2006/main">
+  <p:cSld>
+    <p:spTree>
+      <p:nvGrpSpPr>
+        <p:cNvPr id="1" name=""/>
+        <p:cNvGrpSpPr/>
+        <p:nvPr/>
+      </p:nvGrpSpPr>
+      <p:grpSpPr>
+        <a:xfrm>
+          <a:off x="0" y="0"/>
+          <a:ext cx="0" cy="0"/>
+          <a:chOff x="0" y="0"/>
+          <a:chExt cx="0" cy="0"/>
+        </a:xfrm>
+      </p:grpSpPr>
+      <p:sp>
+        <p:nvSpPr>
+          <p:cNvPr id="2" name="標題 1"/>
+          <p:cNvSpPr>
+            <a:spLocks noGrp="1"/>
+          </p:cNvSpPr>
+          <p:nvPr>
+            <p:ph type="ctrTitle"/>
+          </p:nvPr>
+        </p:nvSpPr>
+        <p:spPr>
+          <a:xfrm>
+            <a:off x="0" y="0"/>
+            <a:ext cx="9144000" cy="764704"/>
+          </a:xfrm>
+          <a:gradFill flip="none" rotWithShape="1">
+            <a:gsLst>
+              <a:gs pos="0">
+                <a:srgbClr val="C00000">
+                  <a:shade val="30000"/>
+                  <a:satMod val="115000"/>
+                </a:srgbClr>
+              </a:gs>
+              <a:gs pos="50000">
+                <a:srgbClr val="C00000">
+                  <a:shade val="67500"/>
+                  <a:satMod val="115000"/>
+                </a:srgbClr>
+              </a:gs>
+              <a:gs pos="100000">
+                <a:srgbClr val="C00000">
+                  <a:shade val="100000"/>
+                  <a:satMod val="115000"/>
+                </a:srgbClr>
+              </a:gs>
+            </a:gsLst>
+            <a:path path="circle">
+              <a:fillToRect t="100000" r="100000"/>
+            </a:path>
+            <a:tileRect l="-100000" b="-100000"/>
+          </a:gradFill>
+        </p:spPr>
+        <p:txBody>
+          <a:bodyPr>
+            <a:normAutofit/>
+          </a:bodyPr>
+          <a:lstStyle/>
+          <a:p>
+            <a:pPr algn="l"/>
+            <a:r>
+              <a:rPr lang="en-US" altLang="zh-TW" sz="4400" b="1" dirty="0">
+                <a:solidFill>
+                  <a:srgbClr val="FFFF00"/>
+                </a:solidFill>
+              </a:rPr>
+              <a:t>84.6 Summary</a:t>
+            </a:r>
+            <a:endParaRPr lang="zh-TW" altLang="en-US" b="1" dirty="0">
+              <a:solidFill>
+                <a:srgbClr val="FFFF00"/>
+              </a:solidFill>
+            </a:endParaRPr>
+          </a:p>
+        </p:txBody>
+      </p:sp>
+      <p:sp>
+        <p:nvSpPr>
+          <p:cNvPr id="3" name="副標題 2"/>
+          <p:cNvSpPr>
+            <a:spLocks noGrp="1"/>
+          </p:cNvSpPr>
+          <p:nvPr>
+            <p:ph type="subTitle" idx="1"/>
+          </p:nvPr>
+        </p:nvSpPr>
+        <p:spPr>
+          <a:xfrm>
+            <a:off x="395537" y="1484785"/>
+            <a:ext cx="8291263" cy="2088232"/>
+          </a:xfrm>
+          <a:ln>
+            <a:solidFill>
+              <a:srgbClr val="C00000"/>
+            </a:solidFill>
+          </a:ln>
+        </p:spPr>
+        <p:txBody>
+          <a:bodyPr>
+            <a:noAutofit/>
+          </a:bodyPr>
+          <a:lstStyle/>
+          <a:p>
+            <a:pPr marL="342900" indent="-342900" algn="l">
+              <a:buClr>
+                <a:srgbClr val="0070C0"/>
+              </a:buClr>
+              <a:buSzPct val="80000"/>
+              <a:buFont typeface="Wingdings" pitchFamily="2" charset="2"/>
+              <a:buChar char="u"/>
+            </a:pPr>
+            <a:r>
+              <a:rPr lang="en-US" sz="1800" b="1" dirty="0">
+                <a:solidFill>
+                  <a:schemeClr val="tx1"/>
+                </a:solidFill>
+              </a:rPr>
+              <a:t>Summary</a:t>
+            </a:r>
+          </a:p>
+          <a:p>
+            <a:pPr marL="342900" indent="-342900" algn="l">
+              <a:buClr>
+                <a:srgbClr val="0070C0"/>
+              </a:buClr>
+              <a:buSzPct val="80000"/>
+              <a:buFont typeface="Wingdings" pitchFamily="2" charset="2"/>
+              <a:buChar char="u"/>
+            </a:pPr>
+            <a:r>
+              <a:rPr lang="en-US" sz="1800" b="1" dirty="0">
+                <a:solidFill>
+                  <a:schemeClr val="tx1"/>
+                </a:solidFill>
+              </a:rPr>
+              <a:t>High T-Statistic Value: High Variance. Two test are different. </a:t>
+            </a:r>
+            <a:r>
+              <a:rPr lang="en-US" sz="1800" b="1" dirty="0">
+                <a:solidFill>
+                  <a:srgbClr val="C00000"/>
+                </a:solidFill>
+              </a:rPr>
+              <a:t>This is NOT a </a:t>
+            </a:r>
+            <a:r>
+              <a:rPr lang="en-US" sz="1800" b="1">
+                <a:solidFill>
+                  <a:srgbClr val="C00000"/>
+                </a:solidFill>
+              </a:rPr>
+              <a:t>random variable.</a:t>
+            </a:r>
+            <a:endParaRPr lang="en-US" sz="1800" b="1" dirty="0">
+              <a:solidFill>
+                <a:srgbClr val="C00000"/>
+              </a:solidFill>
+            </a:endParaRPr>
+          </a:p>
+          <a:p>
+            <a:pPr marL="342900" indent="-342900" algn="l">
+              <a:buClr>
+                <a:srgbClr val="0070C0"/>
+              </a:buClr>
+              <a:buSzPct val="80000"/>
+              <a:buFont typeface="Wingdings" pitchFamily="2" charset="2"/>
+              <a:buChar char="u"/>
+            </a:pPr>
+            <a:r>
+              <a:rPr lang="en-US" sz="1800" b="1" i="0" dirty="0">
+                <a:solidFill>
+                  <a:schemeClr val="tx1"/>
+                </a:solidFill>
+                <a:effectLst/>
+              </a:rPr>
+              <a:t>High P-Value: </a:t>
+            </a:r>
+            <a:r>
+              <a:rPr lang="en-US" sz="1800" b="1" i="0" dirty="0">
+                <a:solidFill>
+                  <a:srgbClr val="C00000"/>
+                </a:solidFill>
+                <a:effectLst/>
+              </a:rPr>
+              <a:t>New test are very consistent </a:t>
+            </a:r>
+            <a:r>
+              <a:rPr lang="en-US" sz="1800" b="1" dirty="0">
+                <a:solidFill>
+                  <a:srgbClr val="C00000"/>
+                </a:solidFill>
+              </a:rPr>
+              <a:t>with old test.</a:t>
+            </a:r>
+            <a:endParaRPr lang="en-US" sz="1800" b="1" i="0" dirty="0">
+              <a:solidFill>
+                <a:srgbClr val="C00000"/>
+              </a:solidFill>
+              <a:effectLst/>
+            </a:endParaRPr>
+          </a:p>
+          <a:p>
+            <a:pPr marL="342900" indent="-342900" algn="l">
+              <a:buClr>
+                <a:srgbClr val="0070C0"/>
+              </a:buClr>
+              <a:buSzPct val="80000"/>
+              <a:buFont typeface="Wingdings" pitchFamily="2" charset="2"/>
+              <a:buChar char="u"/>
+            </a:pPr>
+            <a:r>
+              <a:rPr lang="en-US" sz="1800" b="1" dirty="0">
+                <a:solidFill>
+                  <a:srgbClr val="C00000"/>
+                </a:solidFill>
+              </a:rPr>
+              <a:t>We want high T-Value (Different Test, not random variable) and High P-Value (Bigger than threshold) for consistent data.</a:t>
+            </a:r>
+            <a:endParaRPr lang="en-US" sz="1800" b="1" i="0" dirty="0">
+              <a:solidFill>
+                <a:srgbClr val="C00000"/>
+              </a:solidFill>
+              <a:effectLst/>
+            </a:endParaRPr>
+          </a:p>
+        </p:txBody>
+      </p:sp>
+      <p:sp>
+        <p:nvSpPr>
+          <p:cNvPr id="4" name="標題 1"/>
+          <p:cNvSpPr txBox="1">
+            <a:spLocks/>
+          </p:cNvSpPr>
+          <p:nvPr/>
+        </p:nvSpPr>
+        <p:spPr>
+          <a:xfrm>
+            <a:off x="0" y="764704"/>
+            <a:ext cx="9144000" cy="360040"/>
+          </a:xfrm>
+          <a:prstGeom prst="rect">
+            <a:avLst/>
+          </a:prstGeom>
           <a:gradFill flip="none" rotWithShape="1">
             <a:gsLst>
               <a:gs pos="0">
@@ -7902,6 +8289,163 @@
           </a:gradFill>
         </p:spPr>
         <p:txBody>
+          <a:bodyPr vert="horz" lIns="91440" tIns="45720" rIns="91440" bIns="45720" rtlCol="0" anchor="ctr">
+            <a:normAutofit/>
+          </a:bodyPr>
+          <a:lstStyle/>
+          <a:p>
+            <a:pPr lvl="0">
+              <a:spcBef>
+                <a:spcPct val="0"/>
+              </a:spcBef>
+            </a:pPr>
+            <a:r>
+              <a:rPr lang="en-US" sz="1600"/>
+              <a:t>https://github.com/peterhchen/900_Python_ML_DS_DL</a:t>
+            </a:r>
+            <a:endParaRPr kumimoji="0" lang="zh-TW" altLang="en-US" sz="1600" b="0" i="0" u="none" strike="noStrike" kern="1200" cap="none" spc="0" normalizeH="0" baseline="0" noProof="0">
+              <a:ln>
+                <a:noFill/>
+              </a:ln>
+              <a:solidFill>
+                <a:schemeClr val="tx1"/>
+              </a:solidFill>
+              <a:effectLst/>
+              <a:uLnTx/>
+              <a:uFillTx/>
+              <a:latin typeface="+mj-lt"/>
+              <a:ea typeface="+mj-ea"/>
+              <a:cs typeface="+mj-cs"/>
+            </a:endParaRPr>
+          </a:p>
+        </p:txBody>
+      </p:sp>
+      <p:sp>
+        <p:nvSpPr>
+          <p:cNvPr id="5" name="日期版面配置區 4"/>
+          <p:cNvSpPr>
+            <a:spLocks noGrp="1"/>
+          </p:cNvSpPr>
+          <p:nvPr>
+            <p:ph type="dt" sz="half" idx="10"/>
+          </p:nvPr>
+        </p:nvSpPr>
+        <p:spPr>
+          <a:xfrm>
+            <a:off x="457200" y="6343695"/>
+            <a:ext cx="2133600" cy="365125"/>
+          </a:xfrm>
+        </p:spPr>
+        <p:txBody>
+          <a:bodyPr/>
+          <a:lstStyle/>
+          <a:p>
+            <a:fld id="{A4F910E6-8D00-4BAF-8C48-9688E0B449D3}" type="datetime1">
+              <a:rPr lang="zh-TW" altLang="en-US" smtClean="0"/>
+              <a:pPr/>
+              <a:t>2020/9/12</a:t>
+            </a:fld>
+            <a:endParaRPr lang="zh-TW" altLang="en-US"/>
+          </a:p>
+        </p:txBody>
+      </p:sp>
+      <p:sp>
+        <p:nvSpPr>
+          <p:cNvPr id="6" name="投影片編號版面配置區 5"/>
+          <p:cNvSpPr>
+            <a:spLocks noGrp="1"/>
+          </p:cNvSpPr>
+          <p:nvPr>
+            <p:ph type="sldNum" sz="quarter" idx="12"/>
+          </p:nvPr>
+        </p:nvSpPr>
+        <p:spPr/>
+        <p:txBody>
+          <a:bodyPr/>
+          <a:lstStyle/>
+          <a:p>
+            <a:fld id="{E4D7E63D-91F2-4366-A2C4-1B00C9E2590E}" type="slidenum">
+              <a:rPr lang="zh-TW" altLang="en-US" smtClean="0"/>
+              <a:pPr/>
+              <a:t>23</a:t>
+            </a:fld>
+            <a:endParaRPr lang="zh-TW" altLang="en-US"/>
+          </a:p>
+        </p:txBody>
+      </p:sp>
+    </p:spTree>
+    <p:extLst>
+      <p:ext uri="{BB962C8B-B14F-4D97-AF65-F5344CB8AC3E}">
+        <p14:creationId xmlns:p14="http://schemas.microsoft.com/office/powerpoint/2010/main" val="1791757039"/>
+      </p:ext>
+    </p:extLst>
+  </p:cSld>
+  <p:clrMapOvr>
+    <a:masterClrMapping/>
+  </p:clrMapOvr>
+</p:sld>
+</file>
+
+<file path=ppt/slides/slide24.xml><?xml version="1.0" encoding="utf-8"?>
+<p:sld xmlns:a="http://schemas.openxmlformats.org/drawingml/2006/main" xmlns:r="http://schemas.openxmlformats.org/officeDocument/2006/relationships" xmlns:p="http://schemas.openxmlformats.org/presentationml/2006/main">
+  <p:cSld>
+    <p:spTree>
+      <p:nvGrpSpPr>
+        <p:cNvPr id="1" name=""/>
+        <p:cNvGrpSpPr/>
+        <p:nvPr/>
+      </p:nvGrpSpPr>
+      <p:grpSpPr>
+        <a:xfrm>
+          <a:off x="0" y="0"/>
+          <a:ext cx="0" cy="0"/>
+          <a:chOff x="0" y="0"/>
+          <a:chExt cx="0" cy="0"/>
+        </a:xfrm>
+      </p:grpSpPr>
+      <p:sp>
+        <p:nvSpPr>
+          <p:cNvPr id="2" name="標題 1"/>
+          <p:cNvSpPr>
+            <a:spLocks noGrp="1"/>
+          </p:cNvSpPr>
+          <p:nvPr>
+            <p:ph type="ctrTitle"/>
+          </p:nvPr>
+        </p:nvSpPr>
+        <p:spPr>
+          <a:xfrm>
+            <a:off x="0" y="2130425"/>
+            <a:ext cx="9144000" cy="1470025"/>
+          </a:xfrm>
+          <a:gradFill flip="none" rotWithShape="1">
+            <a:gsLst>
+              <a:gs pos="0">
+                <a:srgbClr val="00B0F0">
+                  <a:shade val="30000"/>
+                  <a:satMod val="115000"/>
+                </a:srgbClr>
+              </a:gs>
+              <a:gs pos="50000">
+                <a:srgbClr val="00B0F0">
+                  <a:shade val="67500"/>
+                  <a:satMod val="115000"/>
+                </a:srgbClr>
+              </a:gs>
+              <a:gs pos="100000">
+                <a:srgbClr val="00B0F0">
+                  <a:shade val="100000"/>
+                  <a:satMod val="115000"/>
+                </a:srgbClr>
+              </a:gs>
+            </a:gsLst>
+            <a:path path="circle">
+              <a:fillToRect t="100000" r="100000"/>
+            </a:path>
+            <a:tileRect l="-100000" b="-100000"/>
+          </a:gradFill>
+        </p:spPr>
+        <p:txBody>
           <a:bodyPr>
             <a:normAutofit/>
           </a:bodyPr>
@@ -7965,7 +8509,7 @@
             <a:fld id="{E4D7E63D-91F2-4366-A2C4-1B00C9E2590E}" type="slidenum">
               <a:rPr lang="zh-TW" altLang="en-US" smtClean="0"/>
               <a:pPr/>
-              <a:t>22</a:t>
+              <a:t>24</a:t>
             </a:fld>
             <a:endParaRPr lang="zh-TW" altLang="en-US"/>
           </a:p>
@@ -9459,16 +10003,16 @@
             <a:r>
               <a:rPr lang="en-US" sz="1800" b="1" i="0" dirty="0">
                 <a:solidFill>
-                  <a:schemeClr val="tx1"/>
+                  <a:srgbClr val="C00000"/>
                 </a:solidFill>
                 <a:effectLst/>
               </a:rPr>
-              <a:t>A high t value means </a:t>
+              <a:t>A high T value means </a:t>
             </a:r>
             <a:r>
               <a:rPr lang="en-US" sz="1800" b="1" dirty="0">
                 <a:solidFill>
-                  <a:schemeClr val="tx1"/>
+                  <a:srgbClr val="C00000"/>
                 </a:solidFill>
               </a:rPr>
               <a:t>there is probably a real difference between the two sets.</a:t>
@@ -9908,7 +10452,25 @@
                 </a:solidFill>
                 <a:effectLst/>
               </a:rPr>
-              <a:t>The way to interpret a T-Statistic is that a high T-Value means there's probably a real difference between these two sets. Of course, a low T-Value means not so much. </a:t>
+              <a:t>The way to interpret a T-Statistic is that </a:t>
+            </a:r>
+            <a:r>
+              <a:rPr lang="en-US" sz="1800" b="1" i="0" dirty="0">
+                <a:solidFill>
+                  <a:srgbClr val="C00000"/>
+                </a:solidFill>
+                <a:effectLst/>
+              </a:rPr>
+              <a:t>a high T-Value means there's probably a real difference between these two sets.</a:t>
+            </a:r>
+            <a:r>
+              <a:rPr lang="en-US" sz="1800" b="1" i="0" dirty="0">
+                <a:solidFill>
+                  <a:srgbClr val="29303B"/>
+                </a:solidFill>
+                <a:effectLst/>
+              </a:rPr>
+              <a:t> Of course, a low T-Value means not so much. </a:t>
             </a:r>
           </a:p>
           <a:p>

--- a/084_TTestPValue.pptx
+++ b/084_TTestPValue.pptx
@@ -5,33 +5,35 @@
     <p:sldMasterId id="2147483648" r:id="rId1"/>
   </p:sldMasterIdLst>
   <p:notesMasterIdLst>
-    <p:notesMasterId r:id="rId26"/>
+    <p:notesMasterId r:id="rId28"/>
   </p:notesMasterIdLst>
   <p:sldIdLst>
     <p:sldId id="256" r:id="rId2"/>
     <p:sldId id="307" r:id="rId3"/>
     <p:sldId id="321" r:id="rId4"/>
-    <p:sldId id="320" r:id="rId5"/>
-    <p:sldId id="322" r:id="rId6"/>
-    <p:sldId id="323" r:id="rId7"/>
-    <p:sldId id="324" r:id="rId8"/>
-    <p:sldId id="325" r:id="rId9"/>
-    <p:sldId id="326" r:id="rId10"/>
-    <p:sldId id="327" r:id="rId11"/>
-    <p:sldId id="329" r:id="rId12"/>
-    <p:sldId id="328" r:id="rId13"/>
-    <p:sldId id="330" r:id="rId14"/>
-    <p:sldId id="331" r:id="rId15"/>
-    <p:sldId id="333" r:id="rId16"/>
-    <p:sldId id="334" r:id="rId17"/>
-    <p:sldId id="332" r:id="rId18"/>
-    <p:sldId id="335" r:id="rId19"/>
-    <p:sldId id="336" r:id="rId20"/>
-    <p:sldId id="338" r:id="rId21"/>
-    <p:sldId id="339" r:id="rId22"/>
-    <p:sldId id="340" r:id="rId23"/>
-    <p:sldId id="341" r:id="rId24"/>
-    <p:sldId id="259" r:id="rId25"/>
+    <p:sldId id="342" r:id="rId5"/>
+    <p:sldId id="343" r:id="rId6"/>
+    <p:sldId id="320" r:id="rId7"/>
+    <p:sldId id="322" r:id="rId8"/>
+    <p:sldId id="323" r:id="rId9"/>
+    <p:sldId id="324" r:id="rId10"/>
+    <p:sldId id="325" r:id="rId11"/>
+    <p:sldId id="326" r:id="rId12"/>
+    <p:sldId id="327" r:id="rId13"/>
+    <p:sldId id="329" r:id="rId14"/>
+    <p:sldId id="328" r:id="rId15"/>
+    <p:sldId id="330" r:id="rId16"/>
+    <p:sldId id="331" r:id="rId17"/>
+    <p:sldId id="333" r:id="rId18"/>
+    <p:sldId id="334" r:id="rId19"/>
+    <p:sldId id="332" r:id="rId20"/>
+    <p:sldId id="335" r:id="rId21"/>
+    <p:sldId id="336" r:id="rId22"/>
+    <p:sldId id="338" r:id="rId23"/>
+    <p:sldId id="339" r:id="rId24"/>
+    <p:sldId id="340" r:id="rId25"/>
+    <p:sldId id="341" r:id="rId26"/>
+    <p:sldId id="259" r:id="rId27"/>
   </p:sldIdLst>
   <p:sldSz cx="9144000" cy="6858000" type="screen4x3"/>
   <p:notesSz cx="6858000" cy="9144000"/>
@@ -244,7 +246,7 @@
             <a:fld id="{6837EDA8-41C8-4B24-A206-13C08A65A6D7}" type="datetimeFigureOut">
               <a:rPr lang="zh-TW" altLang="en-US" smtClean="0"/>
               <a:pPr/>
-              <a:t>2020/9/12</a:t>
+              <a:t>2020/9/13</a:t>
             </a:fld>
             <a:endParaRPr lang="zh-TW" altLang="en-US"/>
           </a:p>
@@ -697,7 +699,7 @@
             <a:fld id="{8B85509C-BD4F-47BF-9B1E-FC2E949B3621}" type="datetime1">
               <a:rPr lang="zh-TW" altLang="en-US" smtClean="0"/>
               <a:pPr/>
-              <a:t>2020/9/12</a:t>
+              <a:t>2020/9/13</a:t>
             </a:fld>
             <a:endParaRPr lang="zh-TW" altLang="en-US"/>
           </a:p>
@@ -870,7 +872,7 @@
             <a:fld id="{42251B24-F787-4C15-8A0F-7AEC20C70069}" type="datetime1">
               <a:rPr lang="zh-TW" altLang="en-US" smtClean="0"/>
               <a:pPr/>
-              <a:t>2020/9/12</a:t>
+              <a:t>2020/9/13</a:t>
             </a:fld>
             <a:endParaRPr lang="zh-TW" altLang="en-US"/>
           </a:p>
@@ -1045,7 +1047,7 @@
             <a:fld id="{9CA0D33C-CE2B-45F1-B8D4-FFD1F131F331}" type="datetime1">
               <a:rPr lang="zh-TW" altLang="en-US" smtClean="0"/>
               <a:pPr/>
-              <a:t>2020/9/12</a:t>
+              <a:t>2020/9/13</a:t>
             </a:fld>
             <a:endParaRPr lang="zh-TW" altLang="en-US"/>
           </a:p>
@@ -1210,7 +1212,7 @@
             <a:fld id="{50B99440-D9EF-40CC-9B52-F6428D9B2C76}" type="datetime1">
               <a:rPr lang="zh-TW" altLang="en-US" smtClean="0"/>
               <a:pPr/>
-              <a:t>2020/9/12</a:t>
+              <a:t>2020/9/13</a:t>
             </a:fld>
             <a:endParaRPr lang="zh-TW" altLang="en-US"/>
           </a:p>
@@ -1452,7 +1454,7 @@
             <a:fld id="{0871BF52-5C6C-4959-8E27-CECB68D39FE4}" type="datetime1">
               <a:rPr lang="zh-TW" altLang="en-US" smtClean="0"/>
               <a:pPr/>
-              <a:t>2020/9/12</a:t>
+              <a:t>2020/9/13</a:t>
             </a:fld>
             <a:endParaRPr lang="zh-TW" altLang="en-US"/>
           </a:p>
@@ -1734,7 +1736,7 @@
             <a:fld id="{DF863F05-2DD9-4EB1-A827-12FD992DE9DC}" type="datetime1">
               <a:rPr lang="zh-TW" altLang="en-US" smtClean="0"/>
               <a:pPr/>
-              <a:t>2020/9/12</a:t>
+              <a:t>2020/9/13</a:t>
             </a:fld>
             <a:endParaRPr lang="zh-TW" altLang="en-US"/>
           </a:p>
@@ -2150,7 +2152,7 @@
             <a:fld id="{6339AF51-4491-4873-A096-75DB6CE47516}" type="datetime1">
               <a:rPr lang="zh-TW" altLang="en-US" smtClean="0"/>
               <a:pPr/>
-              <a:t>2020/9/12</a:t>
+              <a:t>2020/9/13</a:t>
             </a:fld>
             <a:endParaRPr lang="zh-TW" altLang="en-US"/>
           </a:p>
@@ -2264,7 +2266,7 @@
             <a:fld id="{EE4AD9C8-8B9E-40FF-ABE2-858AC2057BBB}" type="datetime1">
               <a:rPr lang="zh-TW" altLang="en-US" smtClean="0"/>
               <a:pPr/>
-              <a:t>2020/9/12</a:t>
+              <a:t>2020/9/13</a:t>
             </a:fld>
             <a:endParaRPr lang="zh-TW" altLang="en-US"/>
           </a:p>
@@ -2356,7 +2358,7 @@
             <a:fld id="{B4784999-BBBE-4BE4-A8D0-877E7D1D66CC}" type="datetime1">
               <a:rPr lang="zh-TW" altLang="en-US" smtClean="0"/>
               <a:pPr/>
-              <a:t>2020/9/12</a:t>
+              <a:t>2020/9/13</a:t>
             </a:fld>
             <a:endParaRPr lang="zh-TW" altLang="en-US"/>
           </a:p>
@@ -2628,7 +2630,7 @@
             <a:fld id="{E88D17E6-02BD-4944-B9FE-7BFCCBF83D48}" type="datetime1">
               <a:rPr lang="zh-TW" altLang="en-US" smtClean="0"/>
               <a:pPr/>
-              <a:t>2020/9/12</a:t>
+              <a:t>2020/9/13</a:t>
             </a:fld>
             <a:endParaRPr lang="zh-TW" altLang="en-US"/>
           </a:p>
@@ -2877,7 +2879,7 @@
             <a:fld id="{3C13E23D-1FEF-4D78-A3A3-3D6F2BB31954}" type="datetime1">
               <a:rPr lang="zh-TW" altLang="en-US" smtClean="0"/>
               <a:pPr/>
-              <a:t>2020/9/12</a:t>
+              <a:t>2020/9/13</a:t>
             </a:fld>
             <a:endParaRPr lang="zh-TW" altLang="en-US"/>
           </a:p>
@@ -3085,7 +3087,7 @@
             <a:fld id="{06197F35-AD6F-4594-8B50-334492D2E7E8}" type="datetime1">
               <a:rPr lang="zh-TW" altLang="en-US" smtClean="0"/>
               <a:pPr/>
-              <a:t>2020/9/12</a:t>
+              <a:t>2020/9/13</a:t>
             </a:fld>
             <a:endParaRPr lang="zh-TW" altLang="en-US"/>
           </a:p>
@@ -3546,7 +3548,7 @@
             <a:fld id="{C389EDC9-19E3-47AC-9C57-C6A24DEA81AD}" type="datetime1">
               <a:rPr lang="zh-TW" altLang="en-US" smtClean="0"/>
               <a:pPr/>
-              <a:t>2020/9/12</a:t>
+              <a:t>2020/9/13</a:t>
             </a:fld>
             <a:endParaRPr lang="zh-TW" altLang="en-US"/>
           </a:p>
@@ -3708,8 +3710,8 @@
         </p:nvSpPr>
         <p:spPr>
           <a:xfrm>
-            <a:off x="457200" y="1305202"/>
-            <a:ext cx="8291263" cy="4678454"/>
+            <a:off x="457200" y="1305201"/>
+            <a:ext cx="8291263" cy="2987895"/>
           </a:xfrm>
           <a:ln>
             <a:solidFill>
@@ -3740,26 +3742,9 @@
               </a:rPr>
               <a:t>T-Statistics</a:t>
             </a:r>
-            <a:r>
-              <a:rPr lang="en-US" sz="1800" b="1" u="sng" dirty="0">
-                <a:solidFill>
-                  <a:srgbClr val="007791"/>
-                </a:solidFill>
-              </a:rPr>
-              <a:t> </a:t>
-            </a:r>
-            <a:r>
-              <a:rPr lang="en-US" sz="1800" b="1" i="0" dirty="0">
-                <a:solidFill>
-                  <a:schemeClr val="tx1"/>
-                </a:solidFill>
-                <a:effectLst/>
-              </a:rPr>
-              <a:t>(Explanation)</a:t>
-            </a:r>
-            <a:endParaRPr lang="en-US" sz="1800" b="1" dirty="0">
+            <a:endParaRPr lang="en-US" sz="1800" b="1" u="sng" dirty="0">
               <a:solidFill>
-                <a:schemeClr val="tx1"/>
+                <a:srgbClr val="007791"/>
               </a:solidFill>
             </a:endParaRPr>
           </a:p>
@@ -3773,13 +3758,12 @@
               <a:buChar char="u"/>
             </a:pPr>
             <a:r>
-              <a:rPr lang="en-US" sz="1800" b="1" i="0" dirty="0">
-                <a:solidFill>
-                  <a:srgbClr val="29303B"/>
-                </a:solidFill>
-                <a:effectLst/>
-              </a:rPr>
-              <a:t>How large is large? </a:t>
+              <a:rPr lang="en-US" sz="1800" b="1" dirty="0">
+                <a:solidFill>
+                  <a:schemeClr val="tx1"/>
+                </a:solidFill>
+              </a:rPr>
+              <a:t>A measure of the difference between the two sets expressed in units of standard error.</a:t>
             </a:r>
           </a:p>
           <a:p>
@@ -3794,11 +3778,19 @@
             <a:r>
               <a:rPr lang="en-US" sz="1800" b="1" i="0" dirty="0">
                 <a:solidFill>
-                  <a:srgbClr val="29303B"/>
+                  <a:schemeClr val="tx1"/>
                 </a:solidFill>
                 <a:effectLst/>
               </a:rPr>
-              <a:t>Well, that's debatable, but we'll look at some examples shortly.</a:t>
+              <a:t>The size of the difference r</a:t>
+            </a:r>
+            <a:r>
+              <a:rPr lang="en-US" sz="1800" b="1" dirty="0">
+                <a:solidFill>
+                  <a:schemeClr val="tx1"/>
+                </a:solidFill>
+              </a:rPr>
+              <a:t>elative to the variance in the data</a:t>
             </a:r>
           </a:p>
           <a:p>
@@ -3813,11 +3805,19 @@
             <a:r>
               <a:rPr lang="en-US" sz="1800" b="1" i="0" dirty="0">
                 <a:solidFill>
-                  <a:srgbClr val="29303B"/>
+                  <a:srgbClr val="C00000"/>
                 </a:solidFill>
                 <a:effectLst/>
               </a:rPr>
-              <a:t>Now this does assume that you have a normal distribution of behavior and when we're talking about things like that amount people spend on a website, that's usually a decent assumption. </a:t>
+              <a:t>A high T value means </a:t>
+            </a:r>
+            <a:r>
+              <a:rPr lang="en-US" sz="1800" b="1" dirty="0">
+                <a:solidFill>
+                  <a:srgbClr val="C00000"/>
+                </a:solidFill>
+              </a:rPr>
+              <a:t>there is probably a real difference between the two sets.</a:t>
             </a:r>
           </a:p>
           <a:p>
@@ -3832,15 +3832,15 @@
             <a:r>
               <a:rPr lang="en-US" sz="1800" b="1" i="0" dirty="0">
                 <a:solidFill>
-                  <a:srgbClr val="29303B"/>
+                  <a:schemeClr val="tx1"/>
                 </a:solidFill>
                 <a:effectLst/>
               </a:rPr>
-              <a:t>There does tend to me a normal distribution of how much people spend.</a:t>
-            </a:r>
-          </a:p>
-          <a:p>
-            <a:pPr marL="342900" indent="-342900" algn="l">
+              <a:t>Assume a normal distribution of behavior</a:t>
+            </a:r>
+          </a:p>
+          <a:p>
+            <a:pPr marL="800100" lvl="1" indent="-342900" algn="l">
               <a:buClr>
                 <a:srgbClr val="0070C0"/>
               </a:buClr>
@@ -3849,17 +3849,16 @@
               <a:buChar char="u"/>
             </a:pPr>
             <a:r>
-              <a:rPr lang="en-US" sz="1800" b="1" i="0" dirty="0">
-                <a:solidFill>
-                  <a:srgbClr val="29303B"/>
-                </a:solidFill>
-                <a:effectLst/>
-              </a:rPr>
-              <a:t>However, there are more refined versions of T-Statistic that you might want to look at for other specific situations. </a:t>
-            </a:r>
-          </a:p>
-          <a:p>
-            <a:pPr marL="342900" indent="-342900" algn="l">
+              <a:rPr lang="en-US" sz="1800" b="1" dirty="0">
+                <a:solidFill>
+                  <a:schemeClr val="tx1"/>
+                </a:solidFill>
+              </a:rPr>
+              <a:t>This is a good assumption if your are measuring revenue as conversion</a:t>
+            </a:r>
+          </a:p>
+          <a:p>
+            <a:pPr marL="800100" lvl="1" indent="-342900" algn="l">
               <a:buClr>
                 <a:srgbClr val="0070C0"/>
               </a:buClr>
@@ -3868,33 +3867,19 @@
               <a:buChar char="u"/>
             </a:pPr>
             <a:r>
-              <a:rPr lang="en-US" sz="1800" b="1" i="0" dirty="0">
-                <a:solidFill>
-                  <a:srgbClr val="29303B"/>
-                </a:solidFill>
-                <a:effectLst/>
-              </a:rPr>
-              <a:t>For example, there's something called Fisher's exact test when you're talking about clickthrough rates, the E-test, when you're talking about transactions per user, like how many web pages do they see, and the chi-squared test, which is often relevant for when you're looking at order quantities. </a:t>
-            </a:r>
-          </a:p>
-          <a:p>
-            <a:pPr marL="342900" indent="-342900" algn="l">
-              <a:buClr>
-                <a:srgbClr val="0070C0"/>
-              </a:buClr>
-              <a:buSzPct val="80000"/>
-              <a:buFont typeface="Wingdings" pitchFamily="2" charset="2"/>
-              <a:buChar char="u"/>
-            </a:pPr>
-            <a:r>
-              <a:rPr lang="en-US" sz="1800" b="1" i="0" dirty="0">
-                <a:solidFill>
-                  <a:srgbClr val="29303B"/>
-                </a:solidFill>
-                <a:effectLst/>
-              </a:rPr>
-              <a:t>Sometimes you'll want to look at all of these statistics for a given experiment and choose the one that actually fits what you're trying to do the best.</a:t>
-            </a:r>
+              <a:rPr lang="en-US" sz="1800" b="1" dirty="0">
+                <a:solidFill>
+                  <a:schemeClr val="tx1"/>
+                </a:solidFill>
+              </a:rPr>
+              <a:t>See also: Fisher’s exact test (for clickthrough rates), E-test (for transaction per user), and chi-squared test (for product quantities purchased).</a:t>
+            </a:r>
+            <a:endParaRPr lang="en-US" sz="1800" b="1" i="0" dirty="0">
+              <a:solidFill>
+                <a:schemeClr val="tx1"/>
+              </a:solidFill>
+              <a:effectLst/>
+            </a:endParaRPr>
           </a:p>
         </p:txBody>
       </p:sp>
@@ -3996,7 +3981,7 @@
             <a:fld id="{A4F910E6-8D00-4BAF-8C48-9688E0B449D3}" type="datetime1">
               <a:rPr lang="zh-TW" altLang="en-US" smtClean="0"/>
               <a:pPr/>
-              <a:t>2020/9/12</a:t>
+              <a:t>2020/9/13</a:t>
             </a:fld>
             <a:endParaRPr lang="zh-TW" altLang="en-US"/>
           </a:p>
@@ -4029,7 +4014,7 @@
     </p:spTree>
     <p:extLst>
       <p:ext uri="{BB962C8B-B14F-4D97-AF65-F5344CB8AC3E}">
-        <p14:creationId xmlns:p14="http://schemas.microsoft.com/office/powerpoint/2010/main" val="1025173103"/>
+        <p14:creationId xmlns:p14="http://schemas.microsoft.com/office/powerpoint/2010/main" val="1800300953"/>
       </p:ext>
     </p:extLst>
   </p:cSld>
@@ -4068,6 +4053,863 @@
         </p:nvSpPr>
         <p:spPr>
           <a:xfrm>
+            <a:off x="0" y="0"/>
+            <a:ext cx="9144000" cy="764704"/>
+          </a:xfrm>
+          <a:gradFill flip="none" rotWithShape="1">
+            <a:gsLst>
+              <a:gs pos="0">
+                <a:srgbClr val="C00000">
+                  <a:shade val="30000"/>
+                  <a:satMod val="115000"/>
+                </a:srgbClr>
+              </a:gs>
+              <a:gs pos="50000">
+                <a:srgbClr val="C00000">
+                  <a:shade val="67500"/>
+                  <a:satMod val="115000"/>
+                </a:srgbClr>
+              </a:gs>
+              <a:gs pos="100000">
+                <a:srgbClr val="C00000">
+                  <a:shade val="100000"/>
+                  <a:satMod val="115000"/>
+                </a:srgbClr>
+              </a:gs>
+            </a:gsLst>
+            <a:path path="circle">
+              <a:fillToRect t="100000" r="100000"/>
+            </a:path>
+            <a:tileRect l="-100000" b="-100000"/>
+          </a:gradFill>
+        </p:spPr>
+        <p:txBody>
+          <a:bodyPr>
+            <a:normAutofit/>
+          </a:bodyPr>
+          <a:lstStyle/>
+          <a:p>
+            <a:pPr algn="l"/>
+            <a:r>
+              <a:rPr lang="en-US" altLang="zh-TW" sz="4400" b="1" dirty="0">
+                <a:solidFill>
+                  <a:srgbClr val="FFFF00"/>
+                </a:solidFill>
+              </a:rPr>
+              <a:t>84.2 T-Statistics</a:t>
+            </a:r>
+            <a:endParaRPr lang="zh-TW" altLang="en-US" b="1" dirty="0">
+              <a:solidFill>
+                <a:srgbClr val="FFFF00"/>
+              </a:solidFill>
+            </a:endParaRPr>
+          </a:p>
+        </p:txBody>
+      </p:sp>
+      <p:sp>
+        <p:nvSpPr>
+          <p:cNvPr id="3" name="副標題 2"/>
+          <p:cNvSpPr>
+            <a:spLocks noGrp="1"/>
+          </p:cNvSpPr>
+          <p:nvPr>
+            <p:ph type="subTitle" idx="1"/>
+          </p:nvPr>
+        </p:nvSpPr>
+        <p:spPr>
+          <a:xfrm>
+            <a:off x="611560" y="1405413"/>
+            <a:ext cx="8291263" cy="4831900"/>
+          </a:xfrm>
+          <a:ln>
+            <a:solidFill>
+              <a:srgbClr val="C00000"/>
+            </a:solidFill>
+          </a:ln>
+        </p:spPr>
+        <p:txBody>
+          <a:bodyPr>
+            <a:noAutofit/>
+          </a:bodyPr>
+          <a:lstStyle/>
+          <a:p>
+            <a:pPr marL="342900" indent="-342900" algn="l">
+              <a:buClr>
+                <a:srgbClr val="0070C0"/>
+              </a:buClr>
+              <a:buSzPct val="80000"/>
+              <a:buFont typeface="Wingdings" pitchFamily="2" charset="2"/>
+              <a:buChar char="u"/>
+            </a:pPr>
+            <a:r>
+              <a:rPr lang="en-US" sz="1800" b="1" i="0" dirty="0">
+                <a:solidFill>
+                  <a:schemeClr val="tx1"/>
+                </a:solidFill>
+                <a:effectLst/>
+              </a:rPr>
+              <a:t>T-Statistics</a:t>
+            </a:r>
+            <a:r>
+              <a:rPr lang="en-US" sz="1800" b="1" u="sng" dirty="0">
+                <a:solidFill>
+                  <a:srgbClr val="007791"/>
+                </a:solidFill>
+              </a:rPr>
+              <a:t> </a:t>
+            </a:r>
+            <a:r>
+              <a:rPr lang="en-US" sz="1800" b="1" i="0" dirty="0">
+                <a:solidFill>
+                  <a:schemeClr val="tx1"/>
+                </a:solidFill>
+                <a:effectLst/>
+              </a:rPr>
+              <a:t>(Explanation)</a:t>
+            </a:r>
+            <a:endParaRPr lang="en-US" sz="1800" b="1" dirty="0">
+              <a:solidFill>
+                <a:schemeClr val="tx1"/>
+              </a:solidFill>
+            </a:endParaRPr>
+          </a:p>
+          <a:p>
+            <a:pPr marL="342900" indent="-342900" algn="l">
+              <a:buClr>
+                <a:srgbClr val="0070C0"/>
+              </a:buClr>
+              <a:buSzPct val="80000"/>
+              <a:buFont typeface="Wingdings" pitchFamily="2" charset="2"/>
+              <a:buChar char="u"/>
+            </a:pPr>
+            <a:r>
+              <a:rPr lang="en-US" sz="1800" b="1" i="0" dirty="0">
+                <a:solidFill>
+                  <a:srgbClr val="29303B"/>
+                </a:solidFill>
+                <a:effectLst/>
+              </a:rPr>
+              <a:t>Let's start with the T-Statistic, also known as a T-Test. </a:t>
+            </a:r>
+          </a:p>
+          <a:p>
+            <a:pPr marL="342900" indent="-342900" algn="l">
+              <a:buClr>
+                <a:srgbClr val="0070C0"/>
+              </a:buClr>
+              <a:buSzPct val="80000"/>
+              <a:buFont typeface="Wingdings" pitchFamily="2" charset="2"/>
+              <a:buChar char="u"/>
+            </a:pPr>
+            <a:r>
+              <a:rPr lang="en-US" sz="1800" b="1" i="0" dirty="0">
+                <a:solidFill>
+                  <a:srgbClr val="29303B"/>
+                </a:solidFill>
+                <a:effectLst/>
+              </a:rPr>
+              <a:t>It's basically a measure of the difference in behavior between these two sets, between your control and treatment group, expressed in units of standard error.</a:t>
+            </a:r>
+          </a:p>
+          <a:p>
+            <a:pPr marL="342900" indent="-342900" algn="l">
+              <a:buClr>
+                <a:srgbClr val="0070C0"/>
+              </a:buClr>
+              <a:buSzPct val="80000"/>
+              <a:buFont typeface="Wingdings" pitchFamily="2" charset="2"/>
+              <a:buChar char="u"/>
+            </a:pPr>
+            <a:r>
+              <a:rPr lang="en-US" sz="1800" b="1" dirty="0">
+                <a:solidFill>
+                  <a:srgbClr val="29303B"/>
+                </a:solidFill>
+              </a:rPr>
+              <a:t>So i</a:t>
+            </a:r>
+            <a:r>
+              <a:rPr lang="en-US" sz="1800" b="1" i="0" dirty="0">
+                <a:solidFill>
+                  <a:srgbClr val="29303B"/>
+                </a:solidFill>
+                <a:effectLst/>
+              </a:rPr>
+              <a:t>t is based on standard error, which accounts for the variance inherent in the data itself, so by normalizing everything by that standard error, we get some measure of the change in behavior between these two groups, that takes that variance into account.</a:t>
+            </a:r>
+          </a:p>
+          <a:p>
+            <a:pPr marL="342900" indent="-342900" algn="l">
+              <a:buClr>
+                <a:srgbClr val="0070C0"/>
+              </a:buClr>
+              <a:buSzPct val="80000"/>
+              <a:buFont typeface="Wingdings" pitchFamily="2" charset="2"/>
+              <a:buChar char="u"/>
+            </a:pPr>
+            <a:r>
+              <a:rPr lang="en-US" sz="1800" b="1" i="0" dirty="0">
+                <a:solidFill>
+                  <a:srgbClr val="29303B"/>
+                </a:solidFill>
+                <a:effectLst/>
+              </a:rPr>
+              <a:t>The way to interpret a T-Statistic is that </a:t>
+            </a:r>
+            <a:r>
+              <a:rPr lang="en-US" sz="1800" b="1" i="0" dirty="0">
+                <a:solidFill>
+                  <a:srgbClr val="C00000"/>
+                </a:solidFill>
+                <a:effectLst/>
+              </a:rPr>
+              <a:t>a high T-Value means there's probably a real difference between these two sets.</a:t>
+            </a:r>
+            <a:r>
+              <a:rPr lang="en-US" sz="1800" b="1" i="0" dirty="0">
+                <a:solidFill>
+                  <a:srgbClr val="29303B"/>
+                </a:solidFill>
+                <a:effectLst/>
+              </a:rPr>
+              <a:t> Of course, a low T-Value means not so much. </a:t>
+            </a:r>
+          </a:p>
+          <a:p>
+            <a:pPr marL="342900" indent="-342900" algn="l">
+              <a:buClr>
+                <a:srgbClr val="0070C0"/>
+              </a:buClr>
+              <a:buSzPct val="80000"/>
+              <a:buFont typeface="Wingdings" pitchFamily="2" charset="2"/>
+              <a:buChar char="u"/>
+            </a:pPr>
+            <a:r>
+              <a:rPr lang="en-US" sz="1800" b="1" i="0" dirty="0">
+                <a:solidFill>
+                  <a:srgbClr val="29303B"/>
+                </a:solidFill>
+                <a:effectLst/>
+              </a:rPr>
+              <a:t>You have to decide, you know, what's a threshold that you're willing to accept and the sign of the T-Statistic will tell you if it's a positive or a negative change.</a:t>
+            </a:r>
+          </a:p>
+          <a:p>
+            <a:pPr marL="342900" indent="-342900" algn="l">
+              <a:buClr>
+                <a:srgbClr val="0070C0"/>
+              </a:buClr>
+              <a:buSzPct val="80000"/>
+              <a:buFont typeface="Wingdings" pitchFamily="2" charset="2"/>
+              <a:buChar char="u"/>
+            </a:pPr>
+            <a:r>
+              <a:rPr lang="en-US" sz="1800" b="1" i="0" dirty="0">
+                <a:solidFill>
+                  <a:srgbClr val="29303B"/>
+                </a:solidFill>
+                <a:effectLst/>
+              </a:rPr>
+              <a:t>If you're comparing your control to your treatment group and you end up with a negative T-Statistic, that implies that this is a bad change, if that absolute value of that T-Statistic is large.</a:t>
+            </a:r>
+          </a:p>
+        </p:txBody>
+      </p:sp>
+      <p:sp>
+        <p:nvSpPr>
+          <p:cNvPr id="4" name="標題 1"/>
+          <p:cNvSpPr txBox="1">
+            <a:spLocks/>
+          </p:cNvSpPr>
+          <p:nvPr/>
+        </p:nvSpPr>
+        <p:spPr>
+          <a:xfrm>
+            <a:off x="0" y="764704"/>
+            <a:ext cx="9144000" cy="360040"/>
+          </a:xfrm>
+          <a:prstGeom prst="rect">
+            <a:avLst/>
+          </a:prstGeom>
+          <a:gradFill flip="none" rotWithShape="1">
+            <a:gsLst>
+              <a:gs pos="0">
+                <a:srgbClr val="00B0F0">
+                  <a:shade val="30000"/>
+                  <a:satMod val="115000"/>
+                </a:srgbClr>
+              </a:gs>
+              <a:gs pos="50000">
+                <a:srgbClr val="00B0F0">
+                  <a:shade val="67500"/>
+                  <a:satMod val="115000"/>
+                </a:srgbClr>
+              </a:gs>
+              <a:gs pos="100000">
+                <a:srgbClr val="00B0F0">
+                  <a:shade val="100000"/>
+                  <a:satMod val="115000"/>
+                </a:srgbClr>
+              </a:gs>
+            </a:gsLst>
+            <a:path path="circle">
+              <a:fillToRect t="100000" r="100000"/>
+            </a:path>
+            <a:tileRect l="-100000" b="-100000"/>
+          </a:gradFill>
+        </p:spPr>
+        <p:txBody>
+          <a:bodyPr vert="horz" lIns="91440" tIns="45720" rIns="91440" bIns="45720" rtlCol="0" anchor="ctr">
+            <a:normAutofit/>
+          </a:bodyPr>
+          <a:lstStyle/>
+          <a:p>
+            <a:pPr lvl="0">
+              <a:spcBef>
+                <a:spcPct val="0"/>
+              </a:spcBef>
+            </a:pPr>
+            <a:r>
+              <a:rPr lang="en-US" sz="1600"/>
+              <a:t>https://github.com/peterhchen/900_Python_ML_DS_DL</a:t>
+            </a:r>
+            <a:endParaRPr kumimoji="0" lang="zh-TW" altLang="en-US" sz="1600" b="0" i="0" u="none" strike="noStrike" kern="1200" cap="none" spc="0" normalizeH="0" baseline="0" noProof="0">
+              <a:ln>
+                <a:noFill/>
+              </a:ln>
+              <a:solidFill>
+                <a:schemeClr val="tx1"/>
+              </a:solidFill>
+              <a:effectLst/>
+              <a:uLnTx/>
+              <a:uFillTx/>
+              <a:latin typeface="+mj-lt"/>
+              <a:ea typeface="+mj-ea"/>
+              <a:cs typeface="+mj-cs"/>
+            </a:endParaRPr>
+          </a:p>
+        </p:txBody>
+      </p:sp>
+      <p:sp>
+        <p:nvSpPr>
+          <p:cNvPr id="5" name="日期版面配置區 4"/>
+          <p:cNvSpPr>
+            <a:spLocks noGrp="1"/>
+          </p:cNvSpPr>
+          <p:nvPr>
+            <p:ph type="dt" sz="half" idx="10"/>
+          </p:nvPr>
+        </p:nvSpPr>
+        <p:spPr>
+          <a:xfrm>
+            <a:off x="457200" y="6343695"/>
+            <a:ext cx="2133600" cy="365125"/>
+          </a:xfrm>
+        </p:spPr>
+        <p:txBody>
+          <a:bodyPr/>
+          <a:lstStyle/>
+          <a:p>
+            <a:fld id="{A4F910E6-8D00-4BAF-8C48-9688E0B449D3}" type="datetime1">
+              <a:rPr lang="zh-TW" altLang="en-US" smtClean="0"/>
+              <a:pPr/>
+              <a:t>2020/9/13</a:t>
+            </a:fld>
+            <a:endParaRPr lang="zh-TW" altLang="en-US"/>
+          </a:p>
+        </p:txBody>
+      </p:sp>
+      <p:sp>
+        <p:nvSpPr>
+          <p:cNvPr id="6" name="投影片編號版面配置區 5"/>
+          <p:cNvSpPr>
+            <a:spLocks noGrp="1"/>
+          </p:cNvSpPr>
+          <p:nvPr>
+            <p:ph type="sldNum" sz="quarter" idx="12"/>
+          </p:nvPr>
+        </p:nvSpPr>
+        <p:spPr/>
+        <p:txBody>
+          <a:bodyPr/>
+          <a:lstStyle/>
+          <a:p>
+            <a:fld id="{E4D7E63D-91F2-4366-A2C4-1B00C9E2590E}" type="slidenum">
+              <a:rPr lang="zh-TW" altLang="en-US" smtClean="0"/>
+              <a:pPr/>
+              <a:t>11</a:t>
+            </a:fld>
+            <a:endParaRPr lang="zh-TW" altLang="en-US"/>
+          </a:p>
+        </p:txBody>
+      </p:sp>
+    </p:spTree>
+    <p:extLst>
+      <p:ext uri="{BB962C8B-B14F-4D97-AF65-F5344CB8AC3E}">
+        <p14:creationId xmlns:p14="http://schemas.microsoft.com/office/powerpoint/2010/main" val="4120002499"/>
+      </p:ext>
+    </p:extLst>
+  </p:cSld>
+  <p:clrMapOvr>
+    <a:masterClrMapping/>
+  </p:clrMapOvr>
+</p:sld>
+</file>
+
+<file path=ppt/slides/slide12.xml><?xml version="1.0" encoding="utf-8"?>
+<p:sld xmlns:a="http://schemas.openxmlformats.org/drawingml/2006/main" xmlns:r="http://schemas.openxmlformats.org/officeDocument/2006/relationships" xmlns:p="http://schemas.openxmlformats.org/presentationml/2006/main">
+  <p:cSld>
+    <p:spTree>
+      <p:nvGrpSpPr>
+        <p:cNvPr id="1" name=""/>
+        <p:cNvGrpSpPr/>
+        <p:nvPr/>
+      </p:nvGrpSpPr>
+      <p:grpSpPr>
+        <a:xfrm>
+          <a:off x="0" y="0"/>
+          <a:ext cx="0" cy="0"/>
+          <a:chOff x="0" y="0"/>
+          <a:chExt cx="0" cy="0"/>
+        </a:xfrm>
+      </p:grpSpPr>
+      <p:sp>
+        <p:nvSpPr>
+          <p:cNvPr id="2" name="標題 1"/>
+          <p:cNvSpPr>
+            <a:spLocks noGrp="1"/>
+          </p:cNvSpPr>
+          <p:nvPr>
+            <p:ph type="ctrTitle"/>
+          </p:nvPr>
+        </p:nvSpPr>
+        <p:spPr>
+          <a:xfrm>
+            <a:off x="0" y="0"/>
+            <a:ext cx="9144000" cy="764704"/>
+          </a:xfrm>
+          <a:gradFill flip="none" rotWithShape="1">
+            <a:gsLst>
+              <a:gs pos="0">
+                <a:srgbClr val="C00000">
+                  <a:shade val="30000"/>
+                  <a:satMod val="115000"/>
+                </a:srgbClr>
+              </a:gs>
+              <a:gs pos="50000">
+                <a:srgbClr val="C00000">
+                  <a:shade val="67500"/>
+                  <a:satMod val="115000"/>
+                </a:srgbClr>
+              </a:gs>
+              <a:gs pos="100000">
+                <a:srgbClr val="C00000">
+                  <a:shade val="100000"/>
+                  <a:satMod val="115000"/>
+                </a:srgbClr>
+              </a:gs>
+            </a:gsLst>
+            <a:path path="circle">
+              <a:fillToRect t="100000" r="100000"/>
+            </a:path>
+            <a:tileRect l="-100000" b="-100000"/>
+          </a:gradFill>
+        </p:spPr>
+        <p:txBody>
+          <a:bodyPr>
+            <a:normAutofit/>
+          </a:bodyPr>
+          <a:lstStyle/>
+          <a:p>
+            <a:pPr algn="l"/>
+            <a:r>
+              <a:rPr lang="en-US" altLang="zh-TW" sz="4400" b="1" dirty="0">
+                <a:solidFill>
+                  <a:srgbClr val="FFFF00"/>
+                </a:solidFill>
+              </a:rPr>
+              <a:t>84.2 T-Statistics</a:t>
+            </a:r>
+            <a:endParaRPr lang="zh-TW" altLang="en-US" b="1" dirty="0">
+              <a:solidFill>
+                <a:srgbClr val="FFFF00"/>
+              </a:solidFill>
+            </a:endParaRPr>
+          </a:p>
+        </p:txBody>
+      </p:sp>
+      <p:sp>
+        <p:nvSpPr>
+          <p:cNvPr id="3" name="副標題 2"/>
+          <p:cNvSpPr>
+            <a:spLocks noGrp="1"/>
+          </p:cNvSpPr>
+          <p:nvPr>
+            <p:ph type="subTitle" idx="1"/>
+          </p:nvPr>
+        </p:nvSpPr>
+        <p:spPr>
+          <a:xfrm>
+            <a:off x="457200" y="1305202"/>
+            <a:ext cx="8291263" cy="4678454"/>
+          </a:xfrm>
+          <a:ln>
+            <a:solidFill>
+              <a:srgbClr val="C00000"/>
+            </a:solidFill>
+          </a:ln>
+        </p:spPr>
+        <p:txBody>
+          <a:bodyPr>
+            <a:noAutofit/>
+          </a:bodyPr>
+          <a:lstStyle/>
+          <a:p>
+            <a:pPr marL="342900" indent="-342900" algn="l">
+              <a:buClr>
+                <a:srgbClr val="0070C0"/>
+              </a:buClr>
+              <a:buSzPct val="80000"/>
+              <a:buFont typeface="Wingdings" pitchFamily="2" charset="2"/>
+              <a:buChar char="u"/>
+            </a:pPr>
+            <a:r>
+              <a:rPr lang="en-US" sz="1800" b="1" i="0" dirty="0">
+                <a:solidFill>
+                  <a:schemeClr val="tx1"/>
+                </a:solidFill>
+                <a:effectLst/>
+              </a:rPr>
+              <a:t>T-Statistics</a:t>
+            </a:r>
+            <a:r>
+              <a:rPr lang="en-US" sz="1800" b="1" u="sng" dirty="0">
+                <a:solidFill>
+                  <a:srgbClr val="007791"/>
+                </a:solidFill>
+              </a:rPr>
+              <a:t> </a:t>
+            </a:r>
+            <a:r>
+              <a:rPr lang="en-US" sz="1800" b="1" i="0" dirty="0">
+                <a:solidFill>
+                  <a:schemeClr val="tx1"/>
+                </a:solidFill>
+                <a:effectLst/>
+              </a:rPr>
+              <a:t>(Explanation)</a:t>
+            </a:r>
+            <a:endParaRPr lang="en-US" sz="1800" b="1" dirty="0">
+              <a:solidFill>
+                <a:schemeClr val="tx1"/>
+              </a:solidFill>
+            </a:endParaRPr>
+          </a:p>
+          <a:p>
+            <a:pPr marL="342900" indent="-342900" algn="l">
+              <a:buClr>
+                <a:srgbClr val="0070C0"/>
+              </a:buClr>
+              <a:buSzPct val="80000"/>
+              <a:buFont typeface="Wingdings" pitchFamily="2" charset="2"/>
+              <a:buChar char="u"/>
+            </a:pPr>
+            <a:r>
+              <a:rPr lang="en-US" sz="1800" b="1" i="0" dirty="0">
+                <a:solidFill>
+                  <a:srgbClr val="29303B"/>
+                </a:solidFill>
+                <a:effectLst/>
+              </a:rPr>
+              <a:t>How large is large? </a:t>
+            </a:r>
+          </a:p>
+          <a:p>
+            <a:pPr marL="342900" indent="-342900" algn="l">
+              <a:buClr>
+                <a:srgbClr val="0070C0"/>
+              </a:buClr>
+              <a:buSzPct val="80000"/>
+              <a:buFont typeface="Wingdings" pitchFamily="2" charset="2"/>
+              <a:buChar char="u"/>
+            </a:pPr>
+            <a:r>
+              <a:rPr lang="en-US" sz="1800" b="1" i="0" dirty="0">
+                <a:solidFill>
+                  <a:srgbClr val="29303B"/>
+                </a:solidFill>
+                <a:effectLst/>
+              </a:rPr>
+              <a:t>Well, that's debatable, but we'll look at some examples shortly.</a:t>
+            </a:r>
+          </a:p>
+          <a:p>
+            <a:pPr marL="342900" indent="-342900" algn="l">
+              <a:buClr>
+                <a:srgbClr val="0070C0"/>
+              </a:buClr>
+              <a:buSzPct val="80000"/>
+              <a:buFont typeface="Wingdings" pitchFamily="2" charset="2"/>
+              <a:buChar char="u"/>
+            </a:pPr>
+            <a:r>
+              <a:rPr lang="en-US" sz="1800" b="1" i="0" dirty="0">
+                <a:solidFill>
+                  <a:srgbClr val="29303B"/>
+                </a:solidFill>
+                <a:effectLst/>
+              </a:rPr>
+              <a:t>Now this does assume that you have a normal distribution of behavior and when we're talking about things like that amount people spend on a website, that's usually a decent assumption. </a:t>
+            </a:r>
+          </a:p>
+          <a:p>
+            <a:pPr marL="342900" indent="-342900" algn="l">
+              <a:buClr>
+                <a:srgbClr val="0070C0"/>
+              </a:buClr>
+              <a:buSzPct val="80000"/>
+              <a:buFont typeface="Wingdings" pitchFamily="2" charset="2"/>
+              <a:buChar char="u"/>
+            </a:pPr>
+            <a:r>
+              <a:rPr lang="en-US" sz="1800" b="1" i="0" dirty="0">
+                <a:solidFill>
+                  <a:srgbClr val="29303B"/>
+                </a:solidFill>
+                <a:effectLst/>
+              </a:rPr>
+              <a:t>There does tend to me a normal distribution of how much people spend.</a:t>
+            </a:r>
+          </a:p>
+          <a:p>
+            <a:pPr marL="342900" indent="-342900" algn="l">
+              <a:buClr>
+                <a:srgbClr val="0070C0"/>
+              </a:buClr>
+              <a:buSzPct val="80000"/>
+              <a:buFont typeface="Wingdings" pitchFamily="2" charset="2"/>
+              <a:buChar char="u"/>
+            </a:pPr>
+            <a:r>
+              <a:rPr lang="en-US" sz="1800" b="1" i="0" dirty="0">
+                <a:solidFill>
+                  <a:srgbClr val="29303B"/>
+                </a:solidFill>
+                <a:effectLst/>
+              </a:rPr>
+              <a:t>However, there are more refined versions of T-Statistic that you might want to look at for other specific situations. </a:t>
+            </a:r>
+          </a:p>
+          <a:p>
+            <a:pPr marL="342900" indent="-342900" algn="l">
+              <a:buClr>
+                <a:srgbClr val="0070C0"/>
+              </a:buClr>
+              <a:buSzPct val="80000"/>
+              <a:buFont typeface="Wingdings" pitchFamily="2" charset="2"/>
+              <a:buChar char="u"/>
+            </a:pPr>
+            <a:r>
+              <a:rPr lang="en-US" sz="1800" b="1" i="0" dirty="0">
+                <a:solidFill>
+                  <a:srgbClr val="29303B"/>
+                </a:solidFill>
+                <a:effectLst/>
+              </a:rPr>
+              <a:t>For example, there's something called Fisher's exact test when you're talking about clickthrough rates, the E-test, when you're talking about transactions per user, like how many web pages do they see, and the chi-squared test, which is often relevant for when you're looking at order quantities. </a:t>
+            </a:r>
+          </a:p>
+          <a:p>
+            <a:pPr marL="342900" indent="-342900" algn="l">
+              <a:buClr>
+                <a:srgbClr val="0070C0"/>
+              </a:buClr>
+              <a:buSzPct val="80000"/>
+              <a:buFont typeface="Wingdings" pitchFamily="2" charset="2"/>
+              <a:buChar char="u"/>
+            </a:pPr>
+            <a:r>
+              <a:rPr lang="en-US" sz="1800" b="1" i="0" dirty="0">
+                <a:solidFill>
+                  <a:srgbClr val="29303B"/>
+                </a:solidFill>
+                <a:effectLst/>
+              </a:rPr>
+              <a:t>Sometimes you'll want to look at all of these statistics for a given experiment and choose the one that actually fits what you're trying to do the best.</a:t>
+            </a:r>
+          </a:p>
+        </p:txBody>
+      </p:sp>
+      <p:sp>
+        <p:nvSpPr>
+          <p:cNvPr id="4" name="標題 1"/>
+          <p:cNvSpPr txBox="1">
+            <a:spLocks/>
+          </p:cNvSpPr>
+          <p:nvPr/>
+        </p:nvSpPr>
+        <p:spPr>
+          <a:xfrm>
+            <a:off x="0" y="764704"/>
+            <a:ext cx="9144000" cy="360040"/>
+          </a:xfrm>
+          <a:prstGeom prst="rect">
+            <a:avLst/>
+          </a:prstGeom>
+          <a:gradFill flip="none" rotWithShape="1">
+            <a:gsLst>
+              <a:gs pos="0">
+                <a:srgbClr val="00B0F0">
+                  <a:shade val="30000"/>
+                  <a:satMod val="115000"/>
+                </a:srgbClr>
+              </a:gs>
+              <a:gs pos="50000">
+                <a:srgbClr val="00B0F0">
+                  <a:shade val="67500"/>
+                  <a:satMod val="115000"/>
+                </a:srgbClr>
+              </a:gs>
+              <a:gs pos="100000">
+                <a:srgbClr val="00B0F0">
+                  <a:shade val="100000"/>
+                  <a:satMod val="115000"/>
+                </a:srgbClr>
+              </a:gs>
+            </a:gsLst>
+            <a:path path="circle">
+              <a:fillToRect t="100000" r="100000"/>
+            </a:path>
+            <a:tileRect l="-100000" b="-100000"/>
+          </a:gradFill>
+        </p:spPr>
+        <p:txBody>
+          <a:bodyPr vert="horz" lIns="91440" tIns="45720" rIns="91440" bIns="45720" rtlCol="0" anchor="ctr">
+            <a:normAutofit/>
+          </a:bodyPr>
+          <a:lstStyle/>
+          <a:p>
+            <a:pPr lvl="0">
+              <a:spcBef>
+                <a:spcPct val="0"/>
+              </a:spcBef>
+            </a:pPr>
+            <a:r>
+              <a:rPr lang="en-US" sz="1600"/>
+              <a:t>https://github.com/peterhchen/900_Python_ML_DS_DL</a:t>
+            </a:r>
+            <a:endParaRPr kumimoji="0" lang="zh-TW" altLang="en-US" sz="1600" b="0" i="0" u="none" strike="noStrike" kern="1200" cap="none" spc="0" normalizeH="0" baseline="0" noProof="0">
+              <a:ln>
+                <a:noFill/>
+              </a:ln>
+              <a:solidFill>
+                <a:schemeClr val="tx1"/>
+              </a:solidFill>
+              <a:effectLst/>
+              <a:uLnTx/>
+              <a:uFillTx/>
+              <a:latin typeface="+mj-lt"/>
+              <a:ea typeface="+mj-ea"/>
+              <a:cs typeface="+mj-cs"/>
+            </a:endParaRPr>
+          </a:p>
+        </p:txBody>
+      </p:sp>
+      <p:sp>
+        <p:nvSpPr>
+          <p:cNvPr id="5" name="日期版面配置區 4"/>
+          <p:cNvSpPr>
+            <a:spLocks noGrp="1"/>
+          </p:cNvSpPr>
+          <p:nvPr>
+            <p:ph type="dt" sz="half" idx="10"/>
+          </p:nvPr>
+        </p:nvSpPr>
+        <p:spPr>
+          <a:xfrm>
+            <a:off x="457200" y="6343695"/>
+            <a:ext cx="2133600" cy="365125"/>
+          </a:xfrm>
+        </p:spPr>
+        <p:txBody>
+          <a:bodyPr/>
+          <a:lstStyle/>
+          <a:p>
+            <a:fld id="{A4F910E6-8D00-4BAF-8C48-9688E0B449D3}" type="datetime1">
+              <a:rPr lang="zh-TW" altLang="en-US" smtClean="0"/>
+              <a:pPr/>
+              <a:t>2020/9/13</a:t>
+            </a:fld>
+            <a:endParaRPr lang="zh-TW" altLang="en-US"/>
+          </a:p>
+        </p:txBody>
+      </p:sp>
+      <p:sp>
+        <p:nvSpPr>
+          <p:cNvPr id="6" name="投影片編號版面配置區 5"/>
+          <p:cNvSpPr>
+            <a:spLocks noGrp="1"/>
+          </p:cNvSpPr>
+          <p:nvPr>
+            <p:ph type="sldNum" sz="quarter" idx="12"/>
+          </p:nvPr>
+        </p:nvSpPr>
+        <p:spPr/>
+        <p:txBody>
+          <a:bodyPr/>
+          <a:lstStyle/>
+          <a:p>
+            <a:fld id="{E4D7E63D-91F2-4366-A2C4-1B00C9E2590E}" type="slidenum">
+              <a:rPr lang="zh-TW" altLang="en-US" smtClean="0"/>
+              <a:pPr/>
+              <a:t>12</a:t>
+            </a:fld>
+            <a:endParaRPr lang="zh-TW" altLang="en-US"/>
+          </a:p>
+        </p:txBody>
+      </p:sp>
+    </p:spTree>
+    <p:extLst>
+      <p:ext uri="{BB962C8B-B14F-4D97-AF65-F5344CB8AC3E}">
+        <p14:creationId xmlns:p14="http://schemas.microsoft.com/office/powerpoint/2010/main" val="1025173103"/>
+      </p:ext>
+    </p:extLst>
+  </p:cSld>
+  <p:clrMapOvr>
+    <a:masterClrMapping/>
+  </p:clrMapOvr>
+</p:sld>
+</file>
+
+<file path=ppt/slides/slide13.xml><?xml version="1.0" encoding="utf-8"?>
+<p:sld xmlns:a="http://schemas.openxmlformats.org/drawingml/2006/main" xmlns:r="http://schemas.openxmlformats.org/officeDocument/2006/relationships" xmlns:p="http://schemas.openxmlformats.org/presentationml/2006/main">
+  <p:cSld>
+    <p:spTree>
+      <p:nvGrpSpPr>
+        <p:cNvPr id="1" name=""/>
+        <p:cNvGrpSpPr/>
+        <p:nvPr/>
+      </p:nvGrpSpPr>
+      <p:grpSpPr>
+        <a:xfrm>
+          <a:off x="0" y="0"/>
+          <a:ext cx="0" cy="0"/>
+          <a:chOff x="0" y="0"/>
+          <a:chExt cx="0" cy="0"/>
+        </a:xfrm>
+      </p:grpSpPr>
+      <p:sp>
+        <p:nvSpPr>
+          <p:cNvPr id="2" name="標題 1"/>
+          <p:cNvSpPr>
+            <a:spLocks noGrp="1"/>
+          </p:cNvSpPr>
+          <p:nvPr>
+            <p:ph type="ctrTitle"/>
+          </p:nvPr>
+        </p:nvSpPr>
+        <p:spPr>
+          <a:xfrm>
             <a:off x="0" y="2130425"/>
             <a:ext cx="9144000" cy="1470025"/>
           </a:xfrm>
@@ -4115,7 +4957,7 @@
             <a:fld id="{C389EDC9-19E3-47AC-9C57-C6A24DEA81AD}" type="datetime1">
               <a:rPr lang="zh-TW" altLang="en-US" smtClean="0"/>
               <a:pPr/>
-              <a:t>2020/9/12</a:t>
+              <a:t>2020/9/13</a:t>
             </a:fld>
             <a:endParaRPr lang="zh-TW" altLang="en-US"/>
           </a:p>
@@ -4139,7 +4981,7 @@
             <a:fld id="{E4D7E63D-91F2-4366-A2C4-1B00C9E2590E}" type="slidenum">
               <a:rPr lang="zh-TW" altLang="en-US" smtClean="0"/>
               <a:pPr/>
-              <a:t>11</a:t>
+              <a:t>13</a:t>
             </a:fld>
             <a:endParaRPr lang="zh-TW" altLang="en-US"/>
           </a:p>
@@ -4188,7 +5030,7 @@
 </p:sld>
 </file>
 
-<file path=ppt/slides/slide12.xml><?xml version="1.0" encoding="utf-8"?>
+<file path=ppt/slides/slide14.xml><?xml version="1.0" encoding="utf-8"?>
 <p:sld xmlns:a="http://schemas.openxmlformats.org/drawingml/2006/main" xmlns:r="http://schemas.openxmlformats.org/officeDocument/2006/relationships" xmlns:p="http://schemas.openxmlformats.org/presentationml/2006/main">
   <p:cSld>
     <p:spTree>
@@ -4479,7 +5321,7 @@
             <a:fld id="{A4F910E6-8D00-4BAF-8C48-9688E0B449D3}" type="datetime1">
               <a:rPr lang="zh-TW" altLang="en-US" smtClean="0"/>
               <a:pPr/>
-              <a:t>2020/9/12</a:t>
+              <a:t>2020/9/13</a:t>
             </a:fld>
             <a:endParaRPr lang="zh-TW" altLang="en-US"/>
           </a:p>
@@ -4503,7 +5345,7 @@
             <a:fld id="{E4D7E63D-91F2-4366-A2C4-1B00C9E2590E}" type="slidenum">
               <a:rPr lang="zh-TW" altLang="en-US" smtClean="0"/>
               <a:pPr/>
-              <a:t>12</a:t>
+              <a:t>14</a:t>
             </a:fld>
             <a:endParaRPr lang="zh-TW" altLang="en-US"/>
           </a:p>
@@ -4522,7 +5364,7 @@
 </p:sld>
 </file>
 
-<file path=ppt/slides/slide13.xml><?xml version="1.0" encoding="utf-8"?>
+<file path=ppt/slides/slide15.xml><?xml version="1.0" encoding="utf-8"?>
 <p:sld xmlns:a="http://schemas.openxmlformats.org/drawingml/2006/main" xmlns:r="http://schemas.openxmlformats.org/officeDocument/2006/relationships" xmlns:p="http://schemas.openxmlformats.org/presentationml/2006/main">
   <p:cSld>
     <p:spTree>
@@ -4885,7 +5727,7 @@
             <a:fld id="{A4F910E6-8D00-4BAF-8C48-9688E0B449D3}" type="datetime1">
               <a:rPr lang="zh-TW" altLang="en-US" smtClean="0"/>
               <a:pPr/>
-              <a:t>2020/9/12</a:t>
+              <a:t>2020/9/13</a:t>
             </a:fld>
             <a:endParaRPr lang="zh-TW" altLang="en-US"/>
           </a:p>
@@ -4909,7 +5751,7 @@
             <a:fld id="{E4D7E63D-91F2-4366-A2C4-1B00C9E2590E}" type="slidenum">
               <a:rPr lang="zh-TW" altLang="en-US" smtClean="0"/>
               <a:pPr/>
-              <a:t>13</a:t>
+              <a:t>15</a:t>
             </a:fld>
             <a:endParaRPr lang="zh-TW" altLang="en-US"/>
           </a:p>
@@ -4928,7 +5770,7 @@
 </p:sld>
 </file>
 
-<file path=ppt/slides/slide14.xml><?xml version="1.0" encoding="utf-8"?>
+<file path=ppt/slides/slide16.xml><?xml version="1.0" encoding="utf-8"?>
 <p:sld xmlns:a="http://schemas.openxmlformats.org/drawingml/2006/main" xmlns:r="http://schemas.openxmlformats.org/officeDocument/2006/relationships" xmlns:p="http://schemas.openxmlformats.org/presentationml/2006/main">
   <p:cSld>
     <p:spTree>
@@ -5206,7 +6048,7 @@
             <a:fld id="{A4F910E6-8D00-4BAF-8C48-9688E0B449D3}" type="datetime1">
               <a:rPr lang="zh-TW" altLang="en-US" smtClean="0"/>
               <a:pPr/>
-              <a:t>2020/9/12</a:t>
+              <a:t>2020/9/13</a:t>
             </a:fld>
             <a:endParaRPr lang="zh-TW" altLang="en-US"/>
           </a:p>
@@ -5230,7 +6072,7 @@
             <a:fld id="{E4D7E63D-91F2-4366-A2C4-1B00C9E2590E}" type="slidenum">
               <a:rPr lang="zh-TW" altLang="en-US" smtClean="0"/>
               <a:pPr/>
-              <a:t>14</a:t>
+              <a:t>16</a:t>
             </a:fld>
             <a:endParaRPr lang="zh-TW" altLang="en-US"/>
           </a:p>
@@ -5249,7 +6091,7 @@
 </p:sld>
 </file>
 
-<file path=ppt/slides/slide15.xml><?xml version="1.0" encoding="utf-8"?>
+<file path=ppt/slides/slide17.xml><?xml version="1.0" encoding="utf-8"?>
 <p:sld xmlns:a="http://schemas.openxmlformats.org/drawingml/2006/main" xmlns:r="http://schemas.openxmlformats.org/officeDocument/2006/relationships" xmlns:p="http://schemas.openxmlformats.org/presentationml/2006/main">
   <p:cSld>
     <p:spTree>
@@ -5325,7 +6167,7 @@
             <a:fld id="{C389EDC9-19E3-47AC-9C57-C6A24DEA81AD}" type="datetime1">
               <a:rPr lang="zh-TW" altLang="en-US" smtClean="0"/>
               <a:pPr/>
-              <a:t>2020/9/12</a:t>
+              <a:t>2020/9/13</a:t>
             </a:fld>
             <a:endParaRPr lang="zh-TW" altLang="en-US"/>
           </a:p>
@@ -5349,7 +6191,7 @@
             <a:fld id="{E4D7E63D-91F2-4366-A2C4-1B00C9E2590E}" type="slidenum">
               <a:rPr lang="zh-TW" altLang="en-US" smtClean="0"/>
               <a:pPr/>
-              <a:t>15</a:t>
+              <a:t>17</a:t>
             </a:fld>
             <a:endParaRPr lang="zh-TW" altLang="en-US"/>
           </a:p>
@@ -5398,7 +6240,7 @@
 </p:sld>
 </file>
 
-<file path=ppt/slides/slide16.xml><?xml version="1.0" encoding="utf-8"?>
+<file path=ppt/slides/slide18.xml><?xml version="1.0" encoding="utf-8"?>
 <p:sld xmlns:a="http://schemas.openxmlformats.org/drawingml/2006/main" xmlns:r="http://schemas.openxmlformats.org/officeDocument/2006/relationships" xmlns:p="http://schemas.openxmlformats.org/presentationml/2006/main">
   <p:cSld>
     <p:spTree>
@@ -5806,7 +6648,7 @@
             <a:fld id="{A4F910E6-8D00-4BAF-8C48-9688E0B449D3}" type="datetime1">
               <a:rPr lang="zh-TW" altLang="en-US" smtClean="0"/>
               <a:pPr/>
-              <a:t>2020/9/12</a:t>
+              <a:t>2020/9/13</a:t>
             </a:fld>
             <a:endParaRPr lang="zh-TW" altLang="en-US"/>
           </a:p>
@@ -5830,7 +6672,7 @@
             <a:fld id="{E4D7E63D-91F2-4366-A2C4-1B00C9E2590E}" type="slidenum">
               <a:rPr lang="zh-TW" altLang="en-US" smtClean="0"/>
               <a:pPr/>
-              <a:t>16</a:t>
+              <a:t>18</a:t>
             </a:fld>
             <a:endParaRPr lang="zh-TW" altLang="en-US"/>
           </a:p>
@@ -5849,7 +6691,7 @@
 </p:sld>
 </file>
 
-<file path=ppt/slides/slide17.xml><?xml version="1.0" encoding="utf-8"?>
+<file path=ppt/slides/slide19.xml><?xml version="1.0" encoding="utf-8"?>
 <p:sld xmlns:a="http://schemas.openxmlformats.org/drawingml/2006/main" xmlns:r="http://schemas.openxmlformats.org/officeDocument/2006/relationships" xmlns:p="http://schemas.openxmlformats.org/presentationml/2006/main">
   <p:cSld>
     <p:spTree>
@@ -6229,7 +7071,7 @@
             <a:fld id="{A4F910E6-8D00-4BAF-8C48-9688E0B449D3}" type="datetime1">
               <a:rPr lang="zh-TW" altLang="en-US" smtClean="0"/>
               <a:pPr/>
-              <a:t>2020/9/12</a:t>
+              <a:t>2020/9/13</a:t>
             </a:fld>
             <a:endParaRPr lang="zh-TW" altLang="en-US"/>
           </a:p>
@@ -6253,7 +7095,7 @@
             <a:fld id="{E4D7E63D-91F2-4366-A2C4-1B00C9E2590E}" type="slidenum">
               <a:rPr lang="zh-TW" altLang="en-US" smtClean="0"/>
               <a:pPr/>
-              <a:t>17</a:t>
+              <a:t>19</a:t>
             </a:fld>
             <a:endParaRPr lang="zh-TW" altLang="en-US"/>
           </a:p>
@@ -6272,7 +7114,7 @@
 </p:sld>
 </file>
 
-<file path=ppt/slides/slide18.xml><?xml version="1.0" encoding="utf-8"?>
+<file path=ppt/slides/slide2.xml><?xml version="1.0" encoding="utf-8"?>
 <p:sld xmlns:a="http://schemas.openxmlformats.org/drawingml/2006/main" xmlns:r="http://schemas.openxmlformats.org/officeDocument/2006/relationships" xmlns:p="http://schemas.openxmlformats.org/presentationml/2006/main">
   <p:cSld>
     <p:spTree>
@@ -6344,7 +7186,7 @@
                   <a:srgbClr val="FFFF00"/>
                 </a:solidFill>
               </a:rPr>
-              <a:t>84.4 Use P-Values</a:t>
+              <a:t>84 T-Test and P-Value</a:t>
             </a:r>
             <a:endParaRPr lang="zh-TW" altLang="en-US" b="1" dirty="0">
               <a:solidFill>
@@ -6367,7 +7209,7 @@
         <p:spPr>
           <a:xfrm>
             <a:off x="457200" y="1305201"/>
-            <a:ext cx="8291263" cy="4284039"/>
+            <a:ext cx="8291263" cy="2915887"/>
           </a:xfrm>
           <a:ln>
             <a:solidFill>
@@ -6390,22 +7232,13 @@
               <a:buChar char="u"/>
             </a:pPr>
             <a:r>
-              <a:rPr lang="en-US" sz="1800" b="1" dirty="0">
+              <a:rPr lang="en-US" sz="1800" b="1" i="0" dirty="0">
                 <a:solidFill>
                   <a:schemeClr val="tx1"/>
                 </a:solidFill>
                 <a:effectLst/>
               </a:rPr>
-              <a:t>Use P-Values </a:t>
-            </a:r>
-            <a:r>
-              <a:rPr lang="en-US" sz="1800" b="1" i="0" dirty="0">
-                <a:solidFill>
-                  <a:schemeClr val="tx1"/>
-                </a:solidFill>
-                <a:effectLst/>
-              </a:rPr>
-              <a:t>(Explanation)</a:t>
+              <a:t>T-Test and P-Value</a:t>
             </a:r>
             <a:endParaRPr lang="en-US" sz="1800" b="1" dirty="0">
               <a:solidFill>
@@ -6423,13 +7256,21 @@
               <a:buChar char="u"/>
             </a:pPr>
             <a:r>
+              <a:rPr lang="en-US" sz="1800" b="1" dirty="0">
+                <a:solidFill>
+                  <a:srgbClr val="29303B"/>
+                </a:solidFill>
+              </a:rPr>
+              <a:t>H</a:t>
+            </a:r>
+            <a:r>
               <a:rPr lang="en-US" sz="1800" b="1" i="0" dirty="0">
                 <a:solidFill>
                   <a:srgbClr val="29303B"/>
                 </a:solidFill>
                 <a:effectLst/>
               </a:rPr>
-              <a:t>When your experiment is over and we'll talk about when you declare an experiment to be over, you want to measure your P-Value. </a:t>
+              <a:t>ow do I know if a change, resulting from an AB test is real?</a:t>
             </a:r>
           </a:p>
           <a:p>
@@ -6448,7 +7289,7 @@
                 </a:solidFill>
                 <a:effectLst/>
               </a:rPr>
-              <a:t>If it's less than the threshold you decide upon, then you can reject the null hypothesis and you can say, well, there's a high likelihood that this change produced a real positive or negative result.</a:t>
+              <a:t>If it is actually a real result of what I changed or it is just a random variation?</a:t>
             </a:r>
           </a:p>
           <a:p>
@@ -6467,7 +7308,7 @@
                 </a:solidFill>
                 <a:effectLst/>
               </a:rPr>
-              <a:t>If it is a positive result, then you can roll that change out to the entire site and it is no longer an experiment, it is part of your website that will hopefully make you more and more money, as time goes on. </a:t>
+              <a:t>Well, there are a couple of statistical tools at called the T-Statistic and the P-Value.</a:t>
             </a:r>
           </a:p>
           <a:p>
@@ -6486,7 +7327,7 @@
                 </a:solidFill>
                 <a:effectLst/>
               </a:rPr>
-              <a:t>If it's a negative result, you want to get rid of it before it costs you any more money.</a:t>
+              <a:t>Let's learn more about what those are and how they can help you determine whether an experiment is good or not.</a:t>
             </a:r>
           </a:p>
           <a:p>
@@ -6505,7 +7346,7 @@
                 </a:solidFill>
                 <a:effectLst/>
               </a:rPr>
-              <a:t>Remember, there's a real cost to running an AB test when your experiment has negative results, so you don't want to run it for too long because there's a chance you could be losing money.</a:t>
+              <a:t>As I said in our previous lecture, variance is your enemy when you're running an A/B test, so how do we account for that?</a:t>
             </a:r>
           </a:p>
         </p:txBody>
@@ -6608,7 +7449,7 @@
             <a:fld id="{A4F910E6-8D00-4BAF-8C48-9688E0B449D3}" type="datetime1">
               <a:rPr lang="zh-TW" altLang="en-US" smtClean="0"/>
               <a:pPr/>
-              <a:t>2020/9/12</a:t>
+              <a:t>2020/9/13</a:t>
             </a:fld>
             <a:endParaRPr lang="zh-TW" altLang="en-US"/>
           </a:p>
@@ -6632,7 +7473,7 @@
             <a:fld id="{E4D7E63D-91F2-4366-A2C4-1B00C9E2590E}" type="slidenum">
               <a:rPr lang="zh-TW" altLang="en-US" smtClean="0"/>
               <a:pPr/>
-              <a:t>18</a:t>
+              <a:t>2</a:t>
             </a:fld>
             <a:endParaRPr lang="zh-TW" altLang="en-US"/>
           </a:p>
@@ -6641,7 +7482,7 @@
     </p:spTree>
     <p:extLst>
       <p:ext uri="{BB962C8B-B14F-4D97-AF65-F5344CB8AC3E}">
-        <p14:creationId xmlns:p14="http://schemas.microsoft.com/office/powerpoint/2010/main" val="4099460496"/>
+        <p14:creationId xmlns:p14="http://schemas.microsoft.com/office/powerpoint/2010/main" val="2530418046"/>
       </p:ext>
     </p:extLst>
   </p:cSld>
@@ -6651,7 +7492,7 @@
 </p:sld>
 </file>
 
-<file path=ppt/slides/slide19.xml><?xml version="1.0" encoding="utf-8"?>
+<file path=ppt/slides/slide20.xml><?xml version="1.0" encoding="utf-8"?>
 <p:sld xmlns:a="http://schemas.openxmlformats.org/drawingml/2006/main" xmlns:r="http://schemas.openxmlformats.org/officeDocument/2006/relationships" xmlns:p="http://schemas.openxmlformats.org/presentationml/2006/main">
   <p:cSld>
     <p:spTree>
@@ -6746,7 +7587,7 @@
         <p:spPr>
           <a:xfrm>
             <a:off x="457200" y="1305201"/>
-            <a:ext cx="8291263" cy="1619743"/>
+            <a:ext cx="8291263" cy="4284039"/>
           </a:xfrm>
           <a:ln>
             <a:solidFill>
@@ -6808,22 +7649,84 @@
                 </a:solidFill>
                 <a:effectLst/>
               </a:rPr>
-              <a:t>This is why you want to monitor the results of an experiment on a daily basis, so if there are early indications that a change is making a horrible impact to the website, maybe there's a bug in it or something that's horrible, you can pull the plug on it prematurely if necessary and limit the damage</a:t>
-            </a:r>
-            <a:r>
-              <a:rPr lang="en-US" sz="1800" b="1" dirty="0">
+              <a:t>When your experiment is over and we'll talk about when you declare an experiment to be over, you want to measure your P-Value. </a:t>
+            </a:r>
+          </a:p>
+          <a:p>
+            <a:pPr marL="342900" indent="-342900" algn="l">
+              <a:buClr>
+                <a:srgbClr val="0070C0"/>
+              </a:buClr>
+              <a:buSzPct val="80000"/>
+              <a:buFont typeface="Wingdings" pitchFamily="2" charset="2"/>
+              <a:buChar char="u"/>
+            </a:pPr>
+            <a:r>
+              <a:rPr lang="en-US" sz="1800" b="1" i="0" dirty="0">
                 <a:solidFill>
                   <a:srgbClr val="29303B"/>
                 </a:solidFill>
-              </a:rPr>
-              <a:t>.</a:t>
-            </a:r>
-            <a:endParaRPr lang="en-US" sz="1800" b="1" i="0" dirty="0">
-              <a:solidFill>
-                <a:srgbClr val="29303B"/>
-              </a:solidFill>
-              <a:effectLst/>
-            </a:endParaRPr>
+                <a:effectLst/>
+              </a:rPr>
+              <a:t>If it's less than the threshold you decide upon, then you can reject the null hypothesis and you can say, well, there's a high likelihood that this change produced a real positive or negative result.</a:t>
+            </a:r>
+          </a:p>
+          <a:p>
+            <a:pPr marL="342900" indent="-342900" algn="l">
+              <a:buClr>
+                <a:srgbClr val="0070C0"/>
+              </a:buClr>
+              <a:buSzPct val="80000"/>
+              <a:buFont typeface="Wingdings" pitchFamily="2" charset="2"/>
+              <a:buChar char="u"/>
+            </a:pPr>
+            <a:r>
+              <a:rPr lang="en-US" sz="1800" b="1" i="0" dirty="0">
+                <a:solidFill>
+                  <a:srgbClr val="29303B"/>
+                </a:solidFill>
+                <a:effectLst/>
+              </a:rPr>
+              <a:t>If it is a positive result, then you can roll that change out to the entire site and it is no longer an experiment, it is part of your website that will hopefully make you more and more money, as time goes on. </a:t>
+            </a:r>
+          </a:p>
+          <a:p>
+            <a:pPr marL="342900" indent="-342900" algn="l">
+              <a:buClr>
+                <a:srgbClr val="0070C0"/>
+              </a:buClr>
+              <a:buSzPct val="80000"/>
+              <a:buFont typeface="Wingdings" pitchFamily="2" charset="2"/>
+              <a:buChar char="u"/>
+            </a:pPr>
+            <a:r>
+              <a:rPr lang="en-US" sz="1800" b="1" i="0" dirty="0">
+                <a:solidFill>
+                  <a:srgbClr val="29303B"/>
+                </a:solidFill>
+                <a:effectLst/>
+              </a:rPr>
+              <a:t>If it's a negative result, you want to get rid of it before it costs you any more money.</a:t>
+            </a:r>
+          </a:p>
+          <a:p>
+            <a:pPr marL="342900" indent="-342900" algn="l">
+              <a:buClr>
+                <a:srgbClr val="0070C0"/>
+              </a:buClr>
+              <a:buSzPct val="80000"/>
+              <a:buFont typeface="Wingdings" pitchFamily="2" charset="2"/>
+              <a:buChar char="u"/>
+            </a:pPr>
+            <a:r>
+              <a:rPr lang="en-US" sz="1800" b="1" i="0" dirty="0">
+                <a:solidFill>
+                  <a:srgbClr val="29303B"/>
+                </a:solidFill>
+                <a:effectLst/>
+              </a:rPr>
+              <a:t>Remember, there's a real cost to running an AB test when your experiment has negative results, so you don't want to run it for too long because there's a chance you could be losing money.</a:t>
+            </a:r>
           </a:p>
         </p:txBody>
       </p:sp>
@@ -6925,7 +7828,7 @@
             <a:fld id="{A4F910E6-8D00-4BAF-8C48-9688E0B449D3}" type="datetime1">
               <a:rPr lang="zh-TW" altLang="en-US" smtClean="0"/>
               <a:pPr/>
-              <a:t>2020/9/12</a:t>
+              <a:t>2020/9/13</a:t>
             </a:fld>
             <a:endParaRPr lang="zh-TW" altLang="en-US"/>
           </a:p>
@@ -6949,7 +7852,7 @@
             <a:fld id="{E4D7E63D-91F2-4366-A2C4-1B00C9E2590E}" type="slidenum">
               <a:rPr lang="zh-TW" altLang="en-US" smtClean="0"/>
               <a:pPr/>
-              <a:t>19</a:t>
+              <a:t>20</a:t>
             </a:fld>
             <a:endParaRPr lang="zh-TW" altLang="en-US"/>
           </a:p>
@@ -6958,7 +7861,7 @@
     </p:spTree>
     <p:extLst>
       <p:ext uri="{BB962C8B-B14F-4D97-AF65-F5344CB8AC3E}">
-        <p14:creationId xmlns:p14="http://schemas.microsoft.com/office/powerpoint/2010/main" val="4089332156"/>
+        <p14:creationId xmlns:p14="http://schemas.microsoft.com/office/powerpoint/2010/main" val="4099460496"/>
       </p:ext>
     </p:extLst>
   </p:cSld>
@@ -6968,7 +7871,7 @@
 </p:sld>
 </file>
 
-<file path=ppt/slides/slide2.xml><?xml version="1.0" encoding="utf-8"?>
+<file path=ppt/slides/slide21.xml><?xml version="1.0" encoding="utf-8"?>
 <p:sld xmlns:a="http://schemas.openxmlformats.org/drawingml/2006/main" xmlns:r="http://schemas.openxmlformats.org/officeDocument/2006/relationships" xmlns:p="http://schemas.openxmlformats.org/presentationml/2006/main">
   <p:cSld>
     <p:spTree>
@@ -7040,7 +7943,7 @@
                   <a:srgbClr val="FFFF00"/>
                 </a:solidFill>
               </a:rPr>
-              <a:t>84 T-Test and P-Value</a:t>
+              <a:t>84.4 Use P-Values</a:t>
             </a:r>
             <a:endParaRPr lang="zh-TW" altLang="en-US" b="1" dirty="0">
               <a:solidFill>
@@ -7063,7 +7966,7 @@
         <p:spPr>
           <a:xfrm>
             <a:off x="457200" y="1305201"/>
-            <a:ext cx="8291263" cy="2915887"/>
+            <a:ext cx="8291263" cy="1619743"/>
           </a:xfrm>
           <a:ln>
             <a:solidFill>
@@ -7086,13 +7989,22 @@
               <a:buChar char="u"/>
             </a:pPr>
             <a:r>
+              <a:rPr lang="en-US" sz="1800" b="1" dirty="0">
+                <a:solidFill>
+                  <a:schemeClr val="tx1"/>
+                </a:solidFill>
+                <a:effectLst/>
+              </a:rPr>
+              <a:t>Use P-Values </a:t>
+            </a:r>
+            <a:r>
               <a:rPr lang="en-US" sz="1800" b="1" i="0" dirty="0">
                 <a:solidFill>
                   <a:schemeClr val="tx1"/>
                 </a:solidFill>
                 <a:effectLst/>
               </a:rPr>
-              <a:t>T-Test and P-Value</a:t>
+              <a:t>(Explanation)</a:t>
             </a:r>
             <a:endParaRPr lang="en-US" sz="1800" b="1" dirty="0">
               <a:solidFill>
@@ -7110,98 +8022,28 @@
               <a:buChar char="u"/>
             </a:pPr>
             <a:r>
+              <a:rPr lang="en-US" sz="1800" b="1" i="0" dirty="0">
+                <a:solidFill>
+                  <a:srgbClr val="29303B"/>
+                </a:solidFill>
+                <a:effectLst/>
+              </a:rPr>
+              <a:t>This is why you want to monitor the results of an experiment on a daily basis, so if there are early indications that a change is making a horrible impact to the website, maybe there's a bug in it or something that's horrible, you can pull the plug on it prematurely if necessary and limit the damage</a:t>
+            </a:r>
+            <a:r>
               <a:rPr lang="en-US" sz="1800" b="1" dirty="0">
                 <a:solidFill>
                   <a:srgbClr val="29303B"/>
                 </a:solidFill>
               </a:rPr>
-              <a:t>H</a:t>
-            </a:r>
-            <a:r>
-              <a:rPr lang="en-US" sz="1800" b="1" i="0" dirty="0">
-                <a:solidFill>
-                  <a:srgbClr val="29303B"/>
-                </a:solidFill>
-                <a:effectLst/>
-              </a:rPr>
-              <a:t>ow do I know if a change, resulting from an AB test is real?</a:t>
-            </a:r>
-          </a:p>
-          <a:p>
-            <a:pPr marL="342900" indent="-342900" algn="l">
-              <a:buClr>
-                <a:srgbClr val="0070C0"/>
-              </a:buClr>
-              <a:buSzPct val="80000"/>
-              <a:buFont typeface="Wingdings" pitchFamily="2" charset="2"/>
-              <a:buChar char="u"/>
-            </a:pPr>
-            <a:r>
-              <a:rPr lang="en-US" sz="1800" b="1" i="0" dirty="0">
-                <a:solidFill>
-                  <a:srgbClr val="29303B"/>
-                </a:solidFill>
-                <a:effectLst/>
-              </a:rPr>
-              <a:t>If it is actually a real result of what I changed or it is just a random variation?</a:t>
-            </a:r>
-          </a:p>
-          <a:p>
-            <a:pPr marL="342900" indent="-342900" algn="l">
-              <a:buClr>
-                <a:srgbClr val="0070C0"/>
-              </a:buClr>
-              <a:buSzPct val="80000"/>
-              <a:buFont typeface="Wingdings" pitchFamily="2" charset="2"/>
-              <a:buChar char="u"/>
-            </a:pPr>
-            <a:r>
-              <a:rPr lang="en-US" sz="1800" b="1" i="0" dirty="0">
-                <a:solidFill>
-                  <a:srgbClr val="29303B"/>
-                </a:solidFill>
-                <a:effectLst/>
-              </a:rPr>
-              <a:t>Well, there are a couple of statistical tools at called the T-Statistic and the P-Value.</a:t>
-            </a:r>
-          </a:p>
-          <a:p>
-            <a:pPr marL="342900" indent="-342900" algn="l">
-              <a:buClr>
-                <a:srgbClr val="0070C0"/>
-              </a:buClr>
-              <a:buSzPct val="80000"/>
-              <a:buFont typeface="Wingdings" pitchFamily="2" charset="2"/>
-              <a:buChar char="u"/>
-            </a:pPr>
-            <a:r>
-              <a:rPr lang="en-US" sz="1800" b="1" i="0" dirty="0">
-                <a:solidFill>
-                  <a:srgbClr val="29303B"/>
-                </a:solidFill>
-                <a:effectLst/>
-              </a:rPr>
-              <a:t>Let's learn more about what those are and how they can help you determine whether an experiment is good or not.</a:t>
-            </a:r>
-          </a:p>
-          <a:p>
-            <a:pPr marL="342900" indent="-342900" algn="l">
-              <a:buClr>
-                <a:srgbClr val="0070C0"/>
-              </a:buClr>
-              <a:buSzPct val="80000"/>
-              <a:buFont typeface="Wingdings" pitchFamily="2" charset="2"/>
-              <a:buChar char="u"/>
-            </a:pPr>
-            <a:r>
-              <a:rPr lang="en-US" sz="1800" b="1" i="0" dirty="0">
-                <a:solidFill>
-                  <a:srgbClr val="29303B"/>
-                </a:solidFill>
-                <a:effectLst/>
-              </a:rPr>
-              <a:t>As I said in our previous lecture, variance is your enemy when you're running an A/B test, so how do we account for that?</a:t>
-            </a:r>
+              <a:t>.</a:t>
+            </a:r>
+            <a:endParaRPr lang="en-US" sz="1800" b="1" i="0" dirty="0">
+              <a:solidFill>
+                <a:srgbClr val="29303B"/>
+              </a:solidFill>
+              <a:effectLst/>
+            </a:endParaRPr>
           </a:p>
         </p:txBody>
       </p:sp>
@@ -7303,7 +8145,7 @@
             <a:fld id="{A4F910E6-8D00-4BAF-8C48-9688E0B449D3}" type="datetime1">
               <a:rPr lang="zh-TW" altLang="en-US" smtClean="0"/>
               <a:pPr/>
-              <a:t>2020/9/12</a:t>
+              <a:t>2020/9/13</a:t>
             </a:fld>
             <a:endParaRPr lang="zh-TW" altLang="en-US"/>
           </a:p>
@@ -7327,7 +8169,7 @@
             <a:fld id="{E4D7E63D-91F2-4366-A2C4-1B00C9E2590E}" type="slidenum">
               <a:rPr lang="zh-TW" altLang="en-US" smtClean="0"/>
               <a:pPr/>
-              <a:t>2</a:t>
+              <a:t>21</a:t>
             </a:fld>
             <a:endParaRPr lang="zh-TW" altLang="en-US"/>
           </a:p>
@@ -7336,7 +8178,7 @@
     </p:spTree>
     <p:extLst>
       <p:ext uri="{BB962C8B-B14F-4D97-AF65-F5344CB8AC3E}">
-        <p14:creationId xmlns:p14="http://schemas.microsoft.com/office/powerpoint/2010/main" val="2530418046"/>
+        <p14:creationId xmlns:p14="http://schemas.microsoft.com/office/powerpoint/2010/main" val="4089332156"/>
       </p:ext>
     </p:extLst>
   </p:cSld>
@@ -7346,7 +8188,7 @@
 </p:sld>
 </file>
 
-<file path=ppt/slides/slide20.xml><?xml version="1.0" encoding="utf-8"?>
+<file path=ppt/slides/slide22.xml><?xml version="1.0" encoding="utf-8"?>
 <p:sld xmlns:a="http://schemas.openxmlformats.org/drawingml/2006/main" xmlns:r="http://schemas.openxmlformats.org/officeDocument/2006/relationships" xmlns:p="http://schemas.openxmlformats.org/presentationml/2006/main">
   <p:cSld>
     <p:spTree>
@@ -7422,7 +8264,7 @@
             <a:fld id="{C389EDC9-19E3-47AC-9C57-C6A24DEA81AD}" type="datetime1">
               <a:rPr lang="zh-TW" altLang="en-US" smtClean="0"/>
               <a:pPr/>
-              <a:t>2020/9/12</a:t>
+              <a:t>2020/9/13</a:t>
             </a:fld>
             <a:endParaRPr lang="zh-TW" altLang="en-US"/>
           </a:p>
@@ -7446,7 +8288,7 @@
             <a:fld id="{E4D7E63D-91F2-4366-A2C4-1B00C9E2590E}" type="slidenum">
               <a:rPr lang="zh-TW" altLang="en-US" smtClean="0"/>
               <a:pPr/>
-              <a:t>20</a:t>
+              <a:t>22</a:t>
             </a:fld>
             <a:endParaRPr lang="zh-TW" altLang="en-US"/>
           </a:p>
@@ -7495,7 +8337,7 @@
 </p:sld>
 </file>
 
-<file path=ppt/slides/slide21.xml><?xml version="1.0" encoding="utf-8"?>
+<file path=ppt/slides/slide23.xml><?xml version="1.0" encoding="utf-8"?>
 <p:sld xmlns:a="http://schemas.openxmlformats.org/drawingml/2006/main" xmlns:r="http://schemas.openxmlformats.org/officeDocument/2006/relationships" xmlns:p="http://schemas.openxmlformats.org/presentationml/2006/main">
   <p:cSld>
     <p:spTree>
@@ -7820,7 +8662,7 @@
             <a:fld id="{A4F910E6-8D00-4BAF-8C48-9688E0B449D3}" type="datetime1">
               <a:rPr lang="zh-TW" altLang="en-US" smtClean="0"/>
               <a:pPr/>
-              <a:t>2020/9/12</a:t>
+              <a:t>2020/9/13</a:t>
             </a:fld>
             <a:endParaRPr lang="zh-TW" altLang="en-US"/>
           </a:p>
@@ -7844,7 +8686,7 @@
             <a:fld id="{E4D7E63D-91F2-4366-A2C4-1B00C9E2590E}" type="slidenum">
               <a:rPr lang="zh-TW" altLang="en-US" smtClean="0"/>
               <a:pPr/>
-              <a:t>21</a:t>
+              <a:t>23</a:t>
             </a:fld>
             <a:endParaRPr lang="zh-TW" altLang="en-US"/>
           </a:p>
@@ -7863,7 +8705,7 @@
 </p:sld>
 </file>
 
-<file path=ppt/slides/slide22.xml><?xml version="1.0" encoding="utf-8"?>
+<file path=ppt/slides/slide24.xml><?xml version="1.0" encoding="utf-8"?>
 <p:sld xmlns:a="http://schemas.openxmlformats.org/drawingml/2006/main" xmlns:r="http://schemas.openxmlformats.org/officeDocument/2006/relationships" xmlns:p="http://schemas.openxmlformats.org/presentationml/2006/main">
   <p:cSld>
     <p:spTree>
@@ -7939,7 +8781,7 @@
             <a:fld id="{C389EDC9-19E3-47AC-9C57-C6A24DEA81AD}" type="datetime1">
               <a:rPr lang="zh-TW" altLang="en-US" smtClean="0"/>
               <a:pPr/>
-              <a:t>2020/9/12</a:t>
+              <a:t>2020/9/13</a:t>
             </a:fld>
             <a:endParaRPr lang="zh-TW" altLang="en-US"/>
           </a:p>
@@ -7963,7 +8805,7 @@
             <a:fld id="{E4D7E63D-91F2-4366-A2C4-1B00C9E2590E}" type="slidenum">
               <a:rPr lang="zh-TW" altLang="en-US" smtClean="0"/>
               <a:pPr/>
-              <a:t>22</a:t>
+              <a:t>24</a:t>
             </a:fld>
             <a:endParaRPr lang="zh-TW" altLang="en-US"/>
           </a:p>
@@ -8012,7 +8854,7 @@
 </p:sld>
 </file>
 
-<file path=ppt/slides/slide23.xml><?xml version="1.0" encoding="utf-8"?>
+<file path=ppt/slides/slide25.xml><?xml version="1.0" encoding="utf-8"?>
 <p:sld xmlns:a="http://schemas.openxmlformats.org/drawingml/2006/main" xmlns:r="http://schemas.openxmlformats.org/officeDocument/2006/relationships" xmlns:p="http://schemas.openxmlformats.org/presentationml/2006/main">
   <p:cSld>
     <p:spTree>
@@ -8343,7 +9185,7 @@
             <a:fld id="{A4F910E6-8D00-4BAF-8C48-9688E0B449D3}" type="datetime1">
               <a:rPr lang="zh-TW" altLang="en-US" smtClean="0"/>
               <a:pPr/>
-              <a:t>2020/9/12</a:t>
+              <a:t>2020/9/13</a:t>
             </a:fld>
             <a:endParaRPr lang="zh-TW" altLang="en-US"/>
           </a:p>
@@ -8367,7 +9209,7 @@
             <a:fld id="{E4D7E63D-91F2-4366-A2C4-1B00C9E2590E}" type="slidenum">
               <a:rPr lang="zh-TW" altLang="en-US" smtClean="0"/>
               <a:pPr/>
-              <a:t>23</a:t>
+              <a:t>25</a:t>
             </a:fld>
             <a:endParaRPr lang="zh-TW" altLang="en-US"/>
           </a:p>
@@ -8386,7 +9228,7 @@
 </p:sld>
 </file>
 
-<file path=ppt/slides/slide24.xml><?xml version="1.0" encoding="utf-8"?>
+<file path=ppt/slides/slide26.xml><?xml version="1.0" encoding="utf-8"?>
 <p:sld xmlns:a="http://schemas.openxmlformats.org/drawingml/2006/main" xmlns:r="http://schemas.openxmlformats.org/officeDocument/2006/relationships" xmlns:p="http://schemas.openxmlformats.org/presentationml/2006/main">
   <p:cSld>
     <p:spTree>
@@ -8485,7 +9327,7 @@
             <a:fld id="{4E46BE27-E923-4EC2-B046-3272AE2A3E5C}" type="datetime1">
               <a:rPr lang="zh-TW" altLang="en-US" smtClean="0"/>
               <a:pPr/>
-              <a:t>2020/9/12</a:t>
+              <a:t>2020/9/13</a:t>
             </a:fld>
             <a:endParaRPr lang="zh-TW" altLang="en-US"/>
           </a:p>
@@ -8509,7 +9351,7 @@
             <a:fld id="{E4D7E63D-91F2-4366-A2C4-1B00C9E2590E}" type="slidenum">
               <a:rPr lang="zh-TW" altLang="en-US" smtClean="0"/>
               <a:pPr/>
-              <a:t>24</a:t>
+              <a:t>26</a:t>
             </a:fld>
             <a:endParaRPr lang="zh-TW" altLang="en-US"/>
           </a:p>
@@ -8774,7 +9616,7 @@
             <a:fld id="{A4F910E6-8D00-4BAF-8C48-9688E0B449D3}" type="datetime1">
               <a:rPr lang="zh-TW" altLang="en-US" smtClean="0"/>
               <a:pPr/>
-              <a:t>2020/9/12</a:t>
+              <a:t>2020/9/13</a:t>
             </a:fld>
             <a:endParaRPr lang="zh-TW" altLang="en-US"/>
           </a:p>
@@ -8846,6 +9688,1244 @@
         </p:nvSpPr>
         <p:spPr>
           <a:xfrm>
+            <a:off x="0" y="0"/>
+            <a:ext cx="9144000" cy="764704"/>
+          </a:xfrm>
+          <a:gradFill flip="none" rotWithShape="1">
+            <a:gsLst>
+              <a:gs pos="0">
+                <a:srgbClr val="C00000">
+                  <a:shade val="30000"/>
+                  <a:satMod val="115000"/>
+                </a:srgbClr>
+              </a:gs>
+              <a:gs pos="50000">
+                <a:srgbClr val="C00000">
+                  <a:shade val="67500"/>
+                  <a:satMod val="115000"/>
+                </a:srgbClr>
+              </a:gs>
+              <a:gs pos="100000">
+                <a:srgbClr val="C00000">
+                  <a:shade val="100000"/>
+                  <a:satMod val="115000"/>
+                </a:srgbClr>
+              </a:gs>
+            </a:gsLst>
+            <a:path path="circle">
+              <a:fillToRect t="100000" r="100000"/>
+            </a:path>
+            <a:tileRect l="-100000" b="-100000"/>
+          </a:gradFill>
+        </p:spPr>
+        <p:txBody>
+          <a:bodyPr>
+            <a:normAutofit/>
+          </a:bodyPr>
+          <a:lstStyle/>
+          <a:p>
+            <a:pPr algn="l"/>
+            <a:r>
+              <a:rPr lang="en-US" altLang="zh-TW" sz="4400" b="1" dirty="0">
+                <a:solidFill>
+                  <a:srgbClr val="FFFF00"/>
+                </a:solidFill>
+              </a:rPr>
+              <a:t>84 T-Test and P-Value</a:t>
+            </a:r>
+            <a:endParaRPr lang="zh-TW" altLang="en-US" b="1" dirty="0">
+              <a:solidFill>
+                <a:srgbClr val="FFFF00"/>
+              </a:solidFill>
+            </a:endParaRPr>
+          </a:p>
+        </p:txBody>
+      </p:sp>
+      <mc:AlternateContent xmlns:mc="http://schemas.openxmlformats.org/markup-compatibility/2006">
+        <mc:Choice xmlns:a14="http://schemas.microsoft.com/office/drawing/2010/main" Requires="a14">
+          <p:sp>
+            <p:nvSpPr>
+              <p:cNvPr id="3" name="副標題 2"/>
+              <p:cNvSpPr>
+                <a:spLocks noGrp="1"/>
+              </p:cNvSpPr>
+              <p:nvPr>
+                <p:ph type="subTitle" idx="1"/>
+              </p:nvPr>
+            </p:nvSpPr>
+            <p:spPr>
+              <a:xfrm>
+                <a:off x="457200" y="1305201"/>
+                <a:ext cx="8291263" cy="1194984"/>
+              </a:xfrm>
+              <a:ln>
+                <a:solidFill>
+                  <a:srgbClr val="C00000"/>
+                </a:solidFill>
+              </a:ln>
+            </p:spPr>
+            <p:txBody>
+              <a:bodyPr>
+                <a:noAutofit/>
+              </a:bodyPr>
+              <a:lstStyle/>
+              <a:p>
+                <a:pPr marL="342900" indent="-342900" algn="l">
+                  <a:buClr>
+                    <a:srgbClr val="0070C0"/>
+                  </a:buClr>
+                  <a:buSzPct val="80000"/>
+                  <a:buFont typeface="Wingdings" pitchFamily="2" charset="2"/>
+                  <a:buChar char="u"/>
+                </a:pPr>
+                <a:r>
+                  <a:rPr lang="en-US" sz="1800" b="1" i="0" dirty="0">
+                    <a:solidFill>
+                      <a:schemeClr val="tx1"/>
+                    </a:solidFill>
+                    <a:effectLst/>
+                  </a:rPr>
+                  <a:t>T-Test: https://conjointly.com/kb/statistical-student-t-test/ </a:t>
+                </a:r>
+              </a:p>
+              <a:p>
+                <a:pPr marL="342900" indent="-342900" algn="l">
+                  <a:buClr>
+                    <a:srgbClr val="0070C0"/>
+                  </a:buClr>
+                  <a:buSzPct val="80000"/>
+                  <a:buFont typeface="Wingdings" pitchFamily="2" charset="2"/>
+                  <a:buChar char="u"/>
+                </a:pPr>
+                <a:r>
+                  <a:rPr lang="en-US" sz="1800" b="1" i="0" dirty="0">
+                    <a:solidFill>
+                      <a:schemeClr val="tx1"/>
+                    </a:solidFill>
+                    <a:effectLst/>
+                  </a:rPr>
+                  <a:t>How much difference between the group A and group B.</a:t>
+                </a:r>
+              </a:p>
+              <a:p>
+                <a:pPr marL="342900" indent="-342900" algn="l">
+                  <a:buClr>
+                    <a:srgbClr val="0070C0"/>
+                  </a:buClr>
+                  <a:buSzPct val="80000"/>
+                  <a:buFont typeface="Wingdings" pitchFamily="2" charset="2"/>
+                  <a:buChar char="u"/>
+                </a:pPr>
+                <a14:m>
+                  <m:oMath xmlns:m="http://schemas.openxmlformats.org/officeDocument/2006/math">
+                    <m:r>
+                      <a:rPr lang="en-US" sz="1800" b="1" i="1" smtClean="0">
+                        <a:solidFill>
+                          <a:schemeClr val="tx1"/>
+                        </a:solidFill>
+                        <a:effectLst/>
+                        <a:latin typeface="Cambria Math" panose="02040503050406030204" pitchFamily="18" charset="0"/>
+                      </a:rPr>
+                      <m:t>𝒕</m:t>
+                    </m:r>
+                    <m:r>
+                      <a:rPr lang="en-US" sz="1800" b="1" i="1" smtClean="0">
+                        <a:solidFill>
+                          <a:schemeClr val="tx1"/>
+                        </a:solidFill>
+                        <a:effectLst/>
+                        <a:latin typeface="Cambria Math" panose="02040503050406030204" pitchFamily="18" charset="0"/>
+                      </a:rPr>
+                      <m:t>=</m:t>
+                    </m:r>
+                    <m:f>
+                      <m:fPr>
+                        <m:ctrlPr>
+                          <a:rPr lang="en-US" sz="1800" b="1" i="1" smtClean="0">
+                            <a:solidFill>
+                              <a:schemeClr val="tx1"/>
+                            </a:solidFill>
+                            <a:effectLst/>
+                            <a:latin typeface="Cambria Math" panose="02040503050406030204" pitchFamily="18" charset="0"/>
+                          </a:rPr>
+                        </m:ctrlPr>
+                      </m:fPr>
+                      <m:num>
+                        <m:r>
+                          <a:rPr lang="en-US" sz="1800" b="1" i="1" smtClean="0">
+                            <a:solidFill>
+                              <a:schemeClr val="tx1"/>
+                            </a:solidFill>
+                            <a:effectLst/>
+                            <a:latin typeface="Cambria Math" panose="02040503050406030204" pitchFamily="18" charset="0"/>
+                          </a:rPr>
+                          <m:t>𝑴𝒆𝒂𝒏</m:t>
+                        </m:r>
+                        <m:d>
+                          <m:dPr>
+                            <m:ctrlPr>
+                              <a:rPr lang="en-US" sz="1800" b="1" i="1" smtClean="0">
+                                <a:solidFill>
+                                  <a:schemeClr val="tx1"/>
+                                </a:solidFill>
+                                <a:effectLst/>
+                                <a:latin typeface="Cambria Math" panose="02040503050406030204" pitchFamily="18" charset="0"/>
+                              </a:rPr>
+                            </m:ctrlPr>
+                          </m:dPr>
+                          <m:e>
+                            <m:r>
+                              <a:rPr lang="en-US" sz="1800" b="1" i="1" smtClean="0">
+                                <a:solidFill>
+                                  <a:schemeClr val="tx1"/>
+                                </a:solidFill>
+                                <a:effectLst/>
+                                <a:latin typeface="Cambria Math" panose="02040503050406030204" pitchFamily="18" charset="0"/>
+                              </a:rPr>
+                              <m:t>𝑮𝒓𝒐𝒖𝒑</m:t>
+                            </m:r>
+                            <m:r>
+                              <a:rPr lang="en-US" sz="1800" b="1" i="1" smtClean="0">
+                                <a:solidFill>
+                                  <a:schemeClr val="tx1"/>
+                                </a:solidFill>
+                                <a:effectLst/>
+                                <a:latin typeface="Cambria Math" panose="02040503050406030204" pitchFamily="18" charset="0"/>
+                              </a:rPr>
+                              <m:t> </m:t>
+                            </m:r>
+                            <m:r>
+                              <a:rPr lang="en-US" sz="1800" b="1" i="1" smtClean="0">
+                                <a:solidFill>
+                                  <a:schemeClr val="tx1"/>
+                                </a:solidFill>
+                                <a:effectLst/>
+                                <a:latin typeface="Cambria Math" panose="02040503050406030204" pitchFamily="18" charset="0"/>
+                              </a:rPr>
+                              <m:t>𝑨</m:t>
+                            </m:r>
+                          </m:e>
+                        </m:d>
+                        <m:r>
+                          <a:rPr lang="en-US" sz="1800" b="1" i="1" smtClean="0">
+                            <a:solidFill>
+                              <a:schemeClr val="tx1"/>
+                            </a:solidFill>
+                            <a:effectLst/>
+                            <a:latin typeface="Cambria Math" panose="02040503050406030204" pitchFamily="18" charset="0"/>
+                          </a:rPr>
+                          <m:t>−</m:t>
+                        </m:r>
+                        <m:r>
+                          <a:rPr lang="en-US" sz="1800" b="1" i="1" smtClean="0">
+                            <a:solidFill>
+                              <a:schemeClr val="tx1"/>
+                            </a:solidFill>
+                            <a:effectLst/>
+                            <a:latin typeface="Cambria Math" panose="02040503050406030204" pitchFamily="18" charset="0"/>
+                          </a:rPr>
+                          <m:t>𝑴𝒆𝒂𝒏</m:t>
+                        </m:r>
+                        <m:r>
+                          <a:rPr lang="en-US" sz="1800" b="1" i="1" smtClean="0">
+                            <a:solidFill>
+                              <a:schemeClr val="tx1"/>
+                            </a:solidFill>
+                            <a:effectLst/>
+                            <a:latin typeface="Cambria Math" panose="02040503050406030204" pitchFamily="18" charset="0"/>
+                          </a:rPr>
+                          <m:t>(</m:t>
+                        </m:r>
+                        <m:r>
+                          <a:rPr lang="en-US" sz="1800" b="1" i="1" smtClean="0">
+                            <a:solidFill>
+                              <a:schemeClr val="tx1"/>
+                            </a:solidFill>
+                            <a:effectLst/>
+                            <a:latin typeface="Cambria Math" panose="02040503050406030204" pitchFamily="18" charset="0"/>
+                          </a:rPr>
+                          <m:t>𝑮𝒓𝒐𝒖𝒑</m:t>
+                        </m:r>
+                        <m:r>
+                          <a:rPr lang="en-US" sz="1800" b="1" i="1" smtClean="0">
+                            <a:solidFill>
+                              <a:schemeClr val="tx1"/>
+                            </a:solidFill>
+                            <a:effectLst/>
+                            <a:latin typeface="Cambria Math" panose="02040503050406030204" pitchFamily="18" charset="0"/>
+                          </a:rPr>
+                          <m:t> </m:t>
+                        </m:r>
+                        <m:r>
+                          <a:rPr lang="en-US" sz="1800" b="1" i="1" smtClean="0">
+                            <a:solidFill>
+                              <a:schemeClr val="tx1"/>
+                            </a:solidFill>
+                            <a:effectLst/>
+                            <a:latin typeface="Cambria Math" panose="02040503050406030204" pitchFamily="18" charset="0"/>
+                          </a:rPr>
+                          <m:t>𝑩</m:t>
+                        </m:r>
+                        <m:r>
+                          <a:rPr lang="en-US" sz="1800" b="1" i="1" smtClean="0">
+                            <a:solidFill>
+                              <a:schemeClr val="tx1"/>
+                            </a:solidFill>
+                            <a:effectLst/>
+                            <a:latin typeface="Cambria Math" panose="02040503050406030204" pitchFamily="18" charset="0"/>
+                          </a:rPr>
+                          <m:t>) </m:t>
+                        </m:r>
+                      </m:num>
+                      <m:den>
+                        <m:r>
+                          <a:rPr lang="en-US" sz="1800" b="1" i="1" smtClean="0">
+                            <a:solidFill>
+                              <a:schemeClr val="tx1"/>
+                            </a:solidFill>
+                            <a:effectLst/>
+                            <a:latin typeface="Cambria Math" panose="02040503050406030204" pitchFamily="18" charset="0"/>
+                          </a:rPr>
+                          <m:t>𝑺𝒒𝒖𝒂𝒓𝒆</m:t>
+                        </m:r>
+                        <m:r>
+                          <a:rPr lang="en-US" sz="1800" b="1" i="1" smtClean="0">
+                            <a:solidFill>
+                              <a:schemeClr val="tx1"/>
+                            </a:solidFill>
+                            <a:effectLst/>
+                            <a:latin typeface="Cambria Math" panose="02040503050406030204" pitchFamily="18" charset="0"/>
+                          </a:rPr>
+                          <m:t> </m:t>
+                        </m:r>
+                        <m:r>
+                          <a:rPr lang="en-US" sz="1800" b="1" i="1" smtClean="0">
+                            <a:solidFill>
+                              <a:schemeClr val="tx1"/>
+                            </a:solidFill>
+                            <a:effectLst/>
+                            <a:latin typeface="Cambria Math" panose="02040503050406030204" pitchFamily="18" charset="0"/>
+                          </a:rPr>
+                          <m:t>𝑹𝒐𝒐𝒕</m:t>
+                        </m:r>
+                        <m:r>
+                          <a:rPr lang="en-US" sz="1800" b="1" i="1" smtClean="0">
+                            <a:solidFill>
+                              <a:schemeClr val="tx1"/>
+                            </a:solidFill>
+                            <a:effectLst/>
+                            <a:latin typeface="Cambria Math" panose="02040503050406030204" pitchFamily="18" charset="0"/>
+                          </a:rPr>
+                          <m:t> (</m:t>
+                        </m:r>
+                        <m:r>
+                          <a:rPr lang="en-US" sz="1800" b="1" i="1" smtClean="0">
+                            <a:solidFill>
+                              <a:schemeClr val="tx1"/>
+                            </a:solidFill>
+                            <a:effectLst/>
+                            <a:latin typeface="Cambria Math" panose="02040503050406030204" pitchFamily="18" charset="0"/>
+                          </a:rPr>
+                          <m:t>𝑽𝒂𝒓𝒊𝒂𝒏𝒄𝒆</m:t>
+                        </m:r>
+                        <m:r>
+                          <a:rPr lang="en-US" sz="1800" b="1" i="1" smtClean="0">
+                            <a:solidFill>
+                              <a:schemeClr val="tx1"/>
+                            </a:solidFill>
+                            <a:effectLst/>
+                            <a:latin typeface="Cambria Math" panose="02040503050406030204" pitchFamily="18" charset="0"/>
+                          </a:rPr>
+                          <m:t> </m:t>
+                        </m:r>
+                        <m:r>
+                          <a:rPr lang="en-US" sz="1800" b="1" i="1" smtClean="0">
+                            <a:solidFill>
+                              <a:schemeClr val="tx1"/>
+                            </a:solidFill>
+                            <a:effectLst/>
+                            <a:latin typeface="Cambria Math" panose="02040503050406030204" pitchFamily="18" charset="0"/>
+                          </a:rPr>
+                          <m:t>𝒃𝒆𝒕𝒘𝒆𝒆𝒏</m:t>
+                        </m:r>
+                        <m:r>
+                          <a:rPr lang="en-US" sz="1800" b="1" i="1" smtClean="0">
+                            <a:solidFill>
+                              <a:schemeClr val="tx1"/>
+                            </a:solidFill>
+                            <a:effectLst/>
+                            <a:latin typeface="Cambria Math" panose="02040503050406030204" pitchFamily="18" charset="0"/>
+                          </a:rPr>
+                          <m:t> </m:t>
+                        </m:r>
+                        <m:r>
+                          <a:rPr lang="en-US" sz="1800" b="1" i="1" smtClean="0">
+                            <a:solidFill>
+                              <a:schemeClr val="tx1"/>
+                            </a:solidFill>
+                            <a:effectLst/>
+                            <a:latin typeface="Cambria Math" panose="02040503050406030204" pitchFamily="18" charset="0"/>
+                          </a:rPr>
+                          <m:t>𝑮𝒓𝒐𝒖𝒑</m:t>
+                        </m:r>
+                        <m:r>
+                          <a:rPr lang="en-US" sz="1800" b="1" i="1" smtClean="0">
+                            <a:solidFill>
+                              <a:schemeClr val="tx1"/>
+                            </a:solidFill>
+                            <a:effectLst/>
+                            <a:latin typeface="Cambria Math" panose="02040503050406030204" pitchFamily="18" charset="0"/>
+                          </a:rPr>
+                          <m:t> </m:t>
+                        </m:r>
+                        <m:r>
+                          <a:rPr lang="en-US" sz="1800" b="1" i="1" smtClean="0">
+                            <a:solidFill>
+                              <a:schemeClr val="tx1"/>
+                            </a:solidFill>
+                            <a:effectLst/>
+                            <a:latin typeface="Cambria Math" panose="02040503050406030204" pitchFamily="18" charset="0"/>
+                          </a:rPr>
+                          <m:t>𝑨</m:t>
+                        </m:r>
+                        <m:r>
+                          <a:rPr lang="en-US" sz="1800" b="1" i="1" smtClean="0">
+                            <a:solidFill>
+                              <a:schemeClr val="tx1"/>
+                            </a:solidFill>
+                            <a:effectLst/>
+                            <a:latin typeface="Cambria Math" panose="02040503050406030204" pitchFamily="18" charset="0"/>
+                          </a:rPr>
+                          <m:t> </m:t>
+                        </m:r>
+                        <m:r>
+                          <a:rPr lang="en-US" sz="1800" b="1" i="1" smtClean="0">
+                            <a:solidFill>
+                              <a:schemeClr val="tx1"/>
+                            </a:solidFill>
+                            <a:effectLst/>
+                            <a:latin typeface="Cambria Math" panose="02040503050406030204" pitchFamily="18" charset="0"/>
+                          </a:rPr>
+                          <m:t>𝒂𝒏𝒅</m:t>
+                        </m:r>
+                        <m:r>
+                          <a:rPr lang="en-US" sz="1800" b="1" i="1" smtClean="0">
+                            <a:solidFill>
+                              <a:schemeClr val="tx1"/>
+                            </a:solidFill>
+                            <a:effectLst/>
+                            <a:latin typeface="Cambria Math" panose="02040503050406030204" pitchFamily="18" charset="0"/>
+                          </a:rPr>
+                          <m:t> </m:t>
+                        </m:r>
+                        <m:r>
+                          <a:rPr lang="en-US" sz="1800" b="1" i="1" smtClean="0">
+                            <a:solidFill>
+                              <a:schemeClr val="tx1"/>
+                            </a:solidFill>
+                            <a:effectLst/>
+                            <a:latin typeface="Cambria Math" panose="02040503050406030204" pitchFamily="18" charset="0"/>
+                          </a:rPr>
+                          <m:t>𝑮𝒓𝒐𝒖𝒑</m:t>
+                        </m:r>
+                        <m:r>
+                          <a:rPr lang="en-US" sz="1800" b="1" i="1" smtClean="0">
+                            <a:solidFill>
+                              <a:schemeClr val="tx1"/>
+                            </a:solidFill>
+                            <a:effectLst/>
+                            <a:latin typeface="Cambria Math" panose="02040503050406030204" pitchFamily="18" charset="0"/>
+                          </a:rPr>
+                          <m:t> </m:t>
+                        </m:r>
+                        <m:r>
+                          <a:rPr lang="en-US" sz="1800" b="1" i="1" smtClean="0">
+                            <a:solidFill>
+                              <a:schemeClr val="tx1"/>
+                            </a:solidFill>
+                            <a:effectLst/>
+                            <a:latin typeface="Cambria Math" panose="02040503050406030204" pitchFamily="18" charset="0"/>
+                          </a:rPr>
+                          <m:t>𝑩</m:t>
+                        </m:r>
+                        <m:r>
+                          <a:rPr lang="en-US" sz="1800" b="1" i="1" smtClean="0">
+                            <a:solidFill>
+                              <a:schemeClr val="tx1"/>
+                            </a:solidFill>
+                            <a:effectLst/>
+                            <a:latin typeface="Cambria Math" panose="02040503050406030204" pitchFamily="18" charset="0"/>
+                          </a:rPr>
+                          <m:t>) </m:t>
+                        </m:r>
+                      </m:den>
+                    </m:f>
+                  </m:oMath>
+                </a14:m>
+                <a:endParaRPr lang="en-US" sz="1800" b="1" dirty="0">
+                  <a:solidFill>
+                    <a:schemeClr val="tx1"/>
+                  </a:solidFill>
+                </a:endParaRPr>
+              </a:p>
+            </p:txBody>
+          </p:sp>
+        </mc:Choice>
+        <mc:Fallback>
+          <p:sp>
+            <p:nvSpPr>
+              <p:cNvPr id="3" name="副標題 2"/>
+              <p:cNvSpPr>
+                <a:spLocks noGrp="1" noRot="1" noChangeAspect="1" noMove="1" noResize="1" noEditPoints="1" noAdjustHandles="1" noChangeArrowheads="1" noChangeShapeType="1" noTextEdit="1"/>
+              </p:cNvSpPr>
+              <p:nvPr>
+                <p:ph type="subTitle" idx="1"/>
+              </p:nvPr>
+            </p:nvSpPr>
+            <p:spPr>
+              <a:xfrm>
+                <a:off x="457200" y="1305201"/>
+                <a:ext cx="8291263" cy="1194984"/>
+              </a:xfrm>
+              <a:blipFill>
+                <a:blip r:embed="rId2"/>
+                <a:stretch>
+                  <a:fillRect l="-73" t="-2020" b="-5051"/>
+                </a:stretch>
+              </a:blipFill>
+              <a:ln>
+                <a:solidFill>
+                  <a:srgbClr val="C00000"/>
+                </a:solidFill>
+              </a:ln>
+            </p:spPr>
+            <p:txBody>
+              <a:bodyPr/>
+              <a:lstStyle/>
+              <a:p>
+                <a:r>
+                  <a:rPr lang="en-US">
+                    <a:noFill/>
+                  </a:rPr>
+                  <a:t> </a:t>
+                </a:r>
+              </a:p>
+            </p:txBody>
+          </p:sp>
+        </mc:Fallback>
+      </mc:AlternateContent>
+      <p:sp>
+        <p:nvSpPr>
+          <p:cNvPr id="4" name="標題 1"/>
+          <p:cNvSpPr txBox="1">
+            <a:spLocks/>
+          </p:cNvSpPr>
+          <p:nvPr/>
+        </p:nvSpPr>
+        <p:spPr>
+          <a:xfrm>
+            <a:off x="0" y="764704"/>
+            <a:ext cx="9144000" cy="360040"/>
+          </a:xfrm>
+          <a:prstGeom prst="rect">
+            <a:avLst/>
+          </a:prstGeom>
+          <a:gradFill flip="none" rotWithShape="1">
+            <a:gsLst>
+              <a:gs pos="0">
+                <a:srgbClr val="00B0F0">
+                  <a:shade val="30000"/>
+                  <a:satMod val="115000"/>
+                </a:srgbClr>
+              </a:gs>
+              <a:gs pos="50000">
+                <a:srgbClr val="00B0F0">
+                  <a:shade val="67500"/>
+                  <a:satMod val="115000"/>
+                </a:srgbClr>
+              </a:gs>
+              <a:gs pos="100000">
+                <a:srgbClr val="00B0F0">
+                  <a:shade val="100000"/>
+                  <a:satMod val="115000"/>
+                </a:srgbClr>
+              </a:gs>
+            </a:gsLst>
+            <a:path path="circle">
+              <a:fillToRect t="100000" r="100000"/>
+            </a:path>
+            <a:tileRect l="-100000" b="-100000"/>
+          </a:gradFill>
+        </p:spPr>
+        <p:txBody>
+          <a:bodyPr vert="horz" lIns="91440" tIns="45720" rIns="91440" bIns="45720" rtlCol="0" anchor="ctr">
+            <a:normAutofit/>
+          </a:bodyPr>
+          <a:lstStyle/>
+          <a:p>
+            <a:pPr lvl="0">
+              <a:spcBef>
+                <a:spcPct val="0"/>
+              </a:spcBef>
+            </a:pPr>
+            <a:r>
+              <a:rPr lang="en-US" sz="1600"/>
+              <a:t>https://github.com/peterhchen/900_Python_ML_DS_DL</a:t>
+            </a:r>
+            <a:endParaRPr kumimoji="0" lang="zh-TW" altLang="en-US" sz="1600" b="0" i="0" u="none" strike="noStrike" kern="1200" cap="none" spc="0" normalizeH="0" baseline="0" noProof="0">
+              <a:ln>
+                <a:noFill/>
+              </a:ln>
+              <a:solidFill>
+                <a:schemeClr val="tx1"/>
+              </a:solidFill>
+              <a:effectLst/>
+              <a:uLnTx/>
+              <a:uFillTx/>
+              <a:latin typeface="+mj-lt"/>
+              <a:ea typeface="+mj-ea"/>
+              <a:cs typeface="+mj-cs"/>
+            </a:endParaRPr>
+          </a:p>
+        </p:txBody>
+      </p:sp>
+      <p:sp>
+        <p:nvSpPr>
+          <p:cNvPr id="5" name="日期版面配置區 4"/>
+          <p:cNvSpPr>
+            <a:spLocks noGrp="1"/>
+          </p:cNvSpPr>
+          <p:nvPr>
+            <p:ph type="dt" sz="half" idx="10"/>
+          </p:nvPr>
+        </p:nvSpPr>
+        <p:spPr>
+          <a:xfrm>
+            <a:off x="457200" y="6343695"/>
+            <a:ext cx="2133600" cy="365125"/>
+          </a:xfrm>
+        </p:spPr>
+        <p:txBody>
+          <a:bodyPr/>
+          <a:lstStyle/>
+          <a:p>
+            <a:fld id="{A4F910E6-8D00-4BAF-8C48-9688E0B449D3}" type="datetime1">
+              <a:rPr lang="zh-TW" altLang="en-US" smtClean="0"/>
+              <a:pPr/>
+              <a:t>2020/9/13</a:t>
+            </a:fld>
+            <a:endParaRPr lang="zh-TW" altLang="en-US"/>
+          </a:p>
+        </p:txBody>
+      </p:sp>
+      <p:sp>
+        <p:nvSpPr>
+          <p:cNvPr id="6" name="投影片編號版面配置區 5"/>
+          <p:cNvSpPr>
+            <a:spLocks noGrp="1"/>
+          </p:cNvSpPr>
+          <p:nvPr>
+            <p:ph type="sldNum" sz="quarter" idx="12"/>
+          </p:nvPr>
+        </p:nvSpPr>
+        <p:spPr/>
+        <p:txBody>
+          <a:bodyPr/>
+          <a:lstStyle/>
+          <a:p>
+            <a:fld id="{E4D7E63D-91F2-4366-A2C4-1B00C9E2590E}" type="slidenum">
+              <a:rPr lang="zh-TW" altLang="en-US" smtClean="0"/>
+              <a:pPr/>
+              <a:t>4</a:t>
+            </a:fld>
+            <a:endParaRPr lang="zh-TW" altLang="en-US"/>
+          </a:p>
+        </p:txBody>
+      </p:sp>
+      <p:pic>
+        <p:nvPicPr>
+          <p:cNvPr id="1026" name="Picture 2" descr="PPT - Difference Two Groups PowerPoint Presentation, free download -  ID:2535829">
+            <a:extLst>
+              <a:ext uri="{FF2B5EF4-FFF2-40B4-BE49-F238E27FC236}">
+                <a16:creationId xmlns:a16="http://schemas.microsoft.com/office/drawing/2014/main" id="{0E7FF5F3-EA84-48C9-8884-5E01D8061B5F}"/>
+              </a:ext>
+            </a:extLst>
+          </p:cNvPr>
+          <p:cNvPicPr>
+            <a:picLocks noChangeAspect="1" noChangeArrowheads="1"/>
+          </p:cNvPicPr>
+          <p:nvPr/>
+        </p:nvPicPr>
+        <p:blipFill>
+          <a:blip r:embed="rId3">
+            <a:extLst>
+              <a:ext uri="{28A0092B-C50C-407E-A947-70E740481C1C}">
+                <a14:useLocalDpi xmlns:a14="http://schemas.microsoft.com/office/drawing/2010/main" val="0"/>
+              </a:ext>
+            </a:extLst>
+          </a:blip>
+          <a:srcRect/>
+          <a:stretch>
+            <a:fillRect/>
+          </a:stretch>
+        </p:blipFill>
+        <p:spPr bwMode="auto">
+          <a:xfrm>
+            <a:off x="482385" y="2701714"/>
+            <a:ext cx="4576717" cy="3432538"/>
+          </a:xfrm>
+          <a:prstGeom prst="rect">
+            <a:avLst/>
+          </a:prstGeom>
+          <a:solidFill>
+            <a:schemeClr val="accent2"/>
+          </a:solidFill>
+          <a:ln>
+            <a:solidFill>
+              <a:srgbClr val="C00000"/>
+            </a:solidFill>
+          </a:ln>
+        </p:spPr>
+      </p:pic>
+      <p:pic>
+        <p:nvPicPr>
+          <p:cNvPr id="2050" name="Picture 2" descr="How to calculate t statistics test between the means of related groups  (dependent means) - YouTube">
+            <a:extLst>
+              <a:ext uri="{FF2B5EF4-FFF2-40B4-BE49-F238E27FC236}">
+                <a16:creationId xmlns:a16="http://schemas.microsoft.com/office/drawing/2014/main" id="{B2FD9606-19EE-411D-932F-0E83130A874E}"/>
+              </a:ext>
+            </a:extLst>
+          </p:cNvPr>
+          <p:cNvPicPr>
+            <a:picLocks noChangeAspect="1" noChangeArrowheads="1"/>
+          </p:cNvPicPr>
+          <p:nvPr/>
+        </p:nvPicPr>
+        <p:blipFill>
+          <a:blip r:embed="rId4">
+            <a:extLst>
+              <a:ext uri="{28A0092B-C50C-407E-A947-70E740481C1C}">
+                <a14:useLocalDpi xmlns:a14="http://schemas.microsoft.com/office/drawing/2010/main" val="0"/>
+              </a:ext>
+            </a:extLst>
+          </a:blip>
+          <a:srcRect/>
+          <a:stretch>
+            <a:fillRect/>
+          </a:stretch>
+        </p:blipFill>
+        <p:spPr bwMode="auto">
+          <a:xfrm>
+            <a:off x="4588503" y="2916904"/>
+            <a:ext cx="4143457" cy="2320336"/>
+          </a:xfrm>
+          <a:prstGeom prst="rect">
+            <a:avLst/>
+          </a:prstGeom>
+          <a:noFill/>
+          <a:ln>
+            <a:solidFill>
+              <a:srgbClr val="C00000"/>
+            </a:solidFill>
+          </a:ln>
+          <a:extLst>
+            <a:ext uri="{909E8E84-426E-40DD-AFC4-6F175D3DCCD1}">
+              <a14:hiddenFill xmlns:a14="http://schemas.microsoft.com/office/drawing/2010/main">
+                <a:solidFill>
+                  <a:srgbClr val="FFFFFF"/>
+                </a:solidFill>
+              </a14:hiddenFill>
+            </a:ext>
+          </a:extLst>
+        </p:spPr>
+      </p:pic>
+      <p:sp>
+        <p:nvSpPr>
+          <p:cNvPr id="7" name="TextBox 6">
+            <a:extLst>
+              <a:ext uri="{FF2B5EF4-FFF2-40B4-BE49-F238E27FC236}">
+                <a16:creationId xmlns:a16="http://schemas.microsoft.com/office/drawing/2014/main" id="{259B022F-01A5-49EB-A8A8-8EF34CEA1BE9}"/>
+              </a:ext>
+            </a:extLst>
+          </p:cNvPr>
+          <p:cNvSpPr txBox="1"/>
+          <p:nvPr/>
+        </p:nvSpPr>
+        <p:spPr>
+          <a:xfrm>
+            <a:off x="6372200" y="4077072"/>
+            <a:ext cx="288032" cy="246221"/>
+          </a:xfrm>
+          <a:prstGeom prst="rect">
+            <a:avLst/>
+          </a:prstGeom>
+          <a:noFill/>
+        </p:spPr>
+        <p:txBody>
+          <a:bodyPr wrap="square" rtlCol="0">
+            <a:spAutoFit/>
+          </a:bodyPr>
+          <a:lstStyle/>
+          <a:p>
+            <a:r>
+              <a:rPr lang="en-US" sz="1000" dirty="0"/>
+              <a:t>4</a:t>
+            </a:r>
+          </a:p>
+        </p:txBody>
+      </p:sp>
+    </p:spTree>
+    <p:extLst>
+      <p:ext uri="{BB962C8B-B14F-4D97-AF65-F5344CB8AC3E}">
+        <p14:creationId xmlns:p14="http://schemas.microsoft.com/office/powerpoint/2010/main" val="3150178497"/>
+      </p:ext>
+    </p:extLst>
+  </p:cSld>
+  <p:clrMapOvr>
+    <a:masterClrMapping/>
+  </p:clrMapOvr>
+</p:sld>
+</file>
+
+<file path=ppt/slides/slide5.xml><?xml version="1.0" encoding="utf-8"?>
+<p:sld xmlns:a="http://schemas.openxmlformats.org/drawingml/2006/main" xmlns:r="http://schemas.openxmlformats.org/officeDocument/2006/relationships" xmlns:p="http://schemas.openxmlformats.org/presentationml/2006/main">
+  <p:cSld>
+    <p:spTree>
+      <p:nvGrpSpPr>
+        <p:cNvPr id="1" name=""/>
+        <p:cNvGrpSpPr/>
+        <p:nvPr/>
+      </p:nvGrpSpPr>
+      <p:grpSpPr>
+        <a:xfrm>
+          <a:off x="0" y="0"/>
+          <a:ext cx="0" cy="0"/>
+          <a:chOff x="0" y="0"/>
+          <a:chExt cx="0" cy="0"/>
+        </a:xfrm>
+      </p:grpSpPr>
+      <p:sp>
+        <p:nvSpPr>
+          <p:cNvPr id="2" name="標題 1"/>
+          <p:cNvSpPr>
+            <a:spLocks noGrp="1"/>
+          </p:cNvSpPr>
+          <p:nvPr>
+            <p:ph type="ctrTitle"/>
+          </p:nvPr>
+        </p:nvSpPr>
+        <p:spPr>
+          <a:xfrm>
+            <a:off x="0" y="0"/>
+            <a:ext cx="9144000" cy="764704"/>
+          </a:xfrm>
+          <a:gradFill flip="none" rotWithShape="1">
+            <a:gsLst>
+              <a:gs pos="0">
+                <a:srgbClr val="C00000">
+                  <a:shade val="30000"/>
+                  <a:satMod val="115000"/>
+                </a:srgbClr>
+              </a:gs>
+              <a:gs pos="50000">
+                <a:srgbClr val="C00000">
+                  <a:shade val="67500"/>
+                  <a:satMod val="115000"/>
+                </a:srgbClr>
+              </a:gs>
+              <a:gs pos="100000">
+                <a:srgbClr val="C00000">
+                  <a:shade val="100000"/>
+                  <a:satMod val="115000"/>
+                </a:srgbClr>
+              </a:gs>
+            </a:gsLst>
+            <a:path path="circle">
+              <a:fillToRect t="100000" r="100000"/>
+            </a:path>
+            <a:tileRect l="-100000" b="-100000"/>
+          </a:gradFill>
+        </p:spPr>
+        <p:txBody>
+          <a:bodyPr>
+            <a:normAutofit/>
+          </a:bodyPr>
+          <a:lstStyle/>
+          <a:p>
+            <a:pPr algn="l"/>
+            <a:r>
+              <a:rPr lang="en-US" altLang="zh-TW" sz="4400" b="1" dirty="0">
+                <a:solidFill>
+                  <a:srgbClr val="FFFF00"/>
+                </a:solidFill>
+              </a:rPr>
+              <a:t>84 T-Test and P-Value</a:t>
+            </a:r>
+            <a:endParaRPr lang="zh-TW" altLang="en-US" b="1" dirty="0">
+              <a:solidFill>
+                <a:srgbClr val="FFFF00"/>
+              </a:solidFill>
+            </a:endParaRPr>
+          </a:p>
+        </p:txBody>
+      </p:sp>
+      <p:sp>
+        <p:nvSpPr>
+          <p:cNvPr id="3" name="副標題 2"/>
+          <p:cNvSpPr>
+            <a:spLocks noGrp="1"/>
+          </p:cNvSpPr>
+          <p:nvPr>
+            <p:ph type="subTitle" idx="1"/>
+          </p:nvPr>
+        </p:nvSpPr>
+        <p:spPr>
+          <a:xfrm>
+            <a:off x="457200" y="1305199"/>
+            <a:ext cx="8291263" cy="1763951"/>
+          </a:xfrm>
+          <a:ln>
+            <a:solidFill>
+              <a:srgbClr val="C00000"/>
+            </a:solidFill>
+          </a:ln>
+        </p:spPr>
+        <p:txBody>
+          <a:bodyPr>
+            <a:noAutofit/>
+          </a:bodyPr>
+          <a:lstStyle/>
+          <a:p>
+            <a:pPr marL="342900" indent="-342900" algn="l">
+              <a:buClr>
+                <a:srgbClr val="0070C0"/>
+              </a:buClr>
+              <a:buSzPct val="80000"/>
+              <a:buFont typeface="Wingdings" pitchFamily="2" charset="2"/>
+              <a:buChar char="u"/>
+            </a:pPr>
+            <a:r>
+              <a:rPr lang="en-US" sz="1800" b="1" dirty="0">
+                <a:solidFill>
+                  <a:schemeClr val="tx1"/>
+                </a:solidFill>
+              </a:rPr>
+              <a:t>P</a:t>
+            </a:r>
+            <a:r>
+              <a:rPr lang="en-US" sz="1800" b="1" i="0" dirty="0">
+                <a:solidFill>
+                  <a:schemeClr val="tx1"/>
+                </a:solidFill>
+                <a:effectLst/>
+              </a:rPr>
+              <a:t>-Value based on t-test: </a:t>
+            </a:r>
+          </a:p>
+          <a:p>
+            <a:pPr marL="342900" indent="-342900" algn="l">
+              <a:buClr>
+                <a:srgbClr val="0070C0"/>
+              </a:buClr>
+              <a:buSzPct val="80000"/>
+              <a:buFont typeface="Wingdings" pitchFamily="2" charset="2"/>
+              <a:buChar char="u"/>
+            </a:pPr>
+            <a:r>
+              <a:rPr lang="en-US" sz="1800" b="1" i="0" dirty="0">
+                <a:solidFill>
+                  <a:schemeClr val="tx1"/>
+                </a:solidFill>
+                <a:effectLst/>
+              </a:rPr>
+              <a:t>https://en.wikipedia.org/wiki/P-value</a:t>
+            </a:r>
+          </a:p>
+          <a:p>
+            <a:pPr marL="342900" indent="-342900" algn="l">
+              <a:buClr>
+                <a:srgbClr val="0070C0"/>
+              </a:buClr>
+              <a:buSzPct val="80000"/>
+              <a:buFont typeface="Wingdings" pitchFamily="2" charset="2"/>
+              <a:buChar char="u"/>
+            </a:pPr>
+            <a:r>
+              <a:rPr lang="en-US" sz="1800" b="1" i="0" dirty="0">
+                <a:solidFill>
+                  <a:schemeClr val="tx1"/>
+                </a:solidFill>
+                <a:effectLst/>
+              </a:rPr>
+              <a:t>How likely (probability/good) to pick up B over A. The higher score, the better.</a:t>
+            </a:r>
+          </a:p>
+          <a:p>
+            <a:pPr marL="342900" indent="-342900" algn="l">
+              <a:buClr>
+                <a:srgbClr val="0070C0"/>
+              </a:buClr>
+              <a:buSzPct val="80000"/>
+              <a:buFont typeface="Wingdings" pitchFamily="2" charset="2"/>
+              <a:buChar char="u"/>
+            </a:pPr>
+            <a:r>
+              <a:rPr lang="en-US" sz="1800" b="1" dirty="0">
+                <a:solidFill>
+                  <a:schemeClr val="tx1"/>
+                </a:solidFill>
+              </a:rPr>
+              <a:t>H: Null Hypothesis: Assume no relationship between two distribution.</a:t>
+            </a:r>
+            <a:endParaRPr lang="en-US" sz="1800" b="1" i="0" dirty="0">
+              <a:solidFill>
+                <a:schemeClr val="tx1"/>
+              </a:solidFill>
+              <a:effectLst/>
+            </a:endParaRPr>
+          </a:p>
+          <a:p>
+            <a:pPr marL="342900" indent="-342900" algn="l">
+              <a:buClr>
+                <a:srgbClr val="0070C0"/>
+              </a:buClr>
+              <a:buSzPct val="80000"/>
+              <a:buFont typeface="Wingdings" pitchFamily="2" charset="2"/>
+              <a:buChar char="u"/>
+            </a:pPr>
+            <a:r>
+              <a:rPr lang="en-US" sz="1800" b="1" dirty="0">
+                <a:solidFill>
+                  <a:schemeClr val="tx1"/>
+                </a:solidFill>
+              </a:rPr>
+              <a:t>Prob (T &gt; t | H) for one-side (right tail) test.</a:t>
+            </a:r>
+          </a:p>
+        </p:txBody>
+      </p:sp>
+      <p:sp>
+        <p:nvSpPr>
+          <p:cNvPr id="4" name="標題 1"/>
+          <p:cNvSpPr txBox="1">
+            <a:spLocks/>
+          </p:cNvSpPr>
+          <p:nvPr/>
+        </p:nvSpPr>
+        <p:spPr>
+          <a:xfrm>
+            <a:off x="0" y="764704"/>
+            <a:ext cx="9144000" cy="360040"/>
+          </a:xfrm>
+          <a:prstGeom prst="rect">
+            <a:avLst/>
+          </a:prstGeom>
+          <a:gradFill flip="none" rotWithShape="1">
+            <a:gsLst>
+              <a:gs pos="0">
+                <a:srgbClr val="00B0F0">
+                  <a:shade val="30000"/>
+                  <a:satMod val="115000"/>
+                </a:srgbClr>
+              </a:gs>
+              <a:gs pos="50000">
+                <a:srgbClr val="00B0F0">
+                  <a:shade val="67500"/>
+                  <a:satMod val="115000"/>
+                </a:srgbClr>
+              </a:gs>
+              <a:gs pos="100000">
+                <a:srgbClr val="00B0F0">
+                  <a:shade val="100000"/>
+                  <a:satMod val="115000"/>
+                </a:srgbClr>
+              </a:gs>
+            </a:gsLst>
+            <a:path path="circle">
+              <a:fillToRect t="100000" r="100000"/>
+            </a:path>
+            <a:tileRect l="-100000" b="-100000"/>
+          </a:gradFill>
+        </p:spPr>
+        <p:txBody>
+          <a:bodyPr vert="horz" lIns="91440" tIns="45720" rIns="91440" bIns="45720" rtlCol="0" anchor="ctr">
+            <a:normAutofit/>
+          </a:bodyPr>
+          <a:lstStyle/>
+          <a:p>
+            <a:pPr lvl="0">
+              <a:spcBef>
+                <a:spcPct val="0"/>
+              </a:spcBef>
+            </a:pPr>
+            <a:r>
+              <a:rPr lang="en-US" sz="1600"/>
+              <a:t>https://github.com/peterhchen/900_Python_ML_DS_DL</a:t>
+            </a:r>
+            <a:endParaRPr kumimoji="0" lang="zh-TW" altLang="en-US" sz="1600" b="0" i="0" u="none" strike="noStrike" kern="1200" cap="none" spc="0" normalizeH="0" baseline="0" noProof="0">
+              <a:ln>
+                <a:noFill/>
+              </a:ln>
+              <a:solidFill>
+                <a:schemeClr val="tx1"/>
+              </a:solidFill>
+              <a:effectLst/>
+              <a:uLnTx/>
+              <a:uFillTx/>
+              <a:latin typeface="+mj-lt"/>
+              <a:ea typeface="+mj-ea"/>
+              <a:cs typeface="+mj-cs"/>
+            </a:endParaRPr>
+          </a:p>
+        </p:txBody>
+      </p:sp>
+      <p:sp>
+        <p:nvSpPr>
+          <p:cNvPr id="5" name="日期版面配置區 4"/>
+          <p:cNvSpPr>
+            <a:spLocks noGrp="1"/>
+          </p:cNvSpPr>
+          <p:nvPr>
+            <p:ph type="dt" sz="half" idx="10"/>
+          </p:nvPr>
+        </p:nvSpPr>
+        <p:spPr>
+          <a:xfrm>
+            <a:off x="457200" y="6343695"/>
+            <a:ext cx="2133600" cy="365125"/>
+          </a:xfrm>
+        </p:spPr>
+        <p:txBody>
+          <a:bodyPr/>
+          <a:lstStyle/>
+          <a:p>
+            <a:fld id="{A4F910E6-8D00-4BAF-8C48-9688E0B449D3}" type="datetime1">
+              <a:rPr lang="zh-TW" altLang="en-US" smtClean="0"/>
+              <a:pPr/>
+              <a:t>2020/9/13</a:t>
+            </a:fld>
+            <a:endParaRPr lang="zh-TW" altLang="en-US"/>
+          </a:p>
+        </p:txBody>
+      </p:sp>
+      <p:sp>
+        <p:nvSpPr>
+          <p:cNvPr id="6" name="投影片編號版面配置區 5"/>
+          <p:cNvSpPr>
+            <a:spLocks noGrp="1"/>
+          </p:cNvSpPr>
+          <p:nvPr>
+            <p:ph type="sldNum" sz="quarter" idx="12"/>
+          </p:nvPr>
+        </p:nvSpPr>
+        <p:spPr/>
+        <p:txBody>
+          <a:bodyPr/>
+          <a:lstStyle/>
+          <a:p>
+            <a:fld id="{E4D7E63D-91F2-4366-A2C4-1B00C9E2590E}" type="slidenum">
+              <a:rPr lang="zh-TW" altLang="en-US" smtClean="0"/>
+              <a:pPr/>
+              <a:t>5</a:t>
+            </a:fld>
+            <a:endParaRPr lang="zh-TW" altLang="en-US"/>
+          </a:p>
+        </p:txBody>
+      </p:sp>
+      <p:pic>
+        <p:nvPicPr>
+          <p:cNvPr id="3074" name="Picture 2" descr="P-Values and Statistical Significance | Simply Psychology">
+            <a:extLst>
+              <a:ext uri="{FF2B5EF4-FFF2-40B4-BE49-F238E27FC236}">
+                <a16:creationId xmlns:a16="http://schemas.microsoft.com/office/drawing/2014/main" id="{92BA14C4-231F-4502-83A2-025E4931F7A4}"/>
+              </a:ext>
+            </a:extLst>
+          </p:cNvPr>
+          <p:cNvPicPr>
+            <a:picLocks noChangeAspect="1" noChangeArrowheads="1"/>
+          </p:cNvPicPr>
+          <p:nvPr/>
+        </p:nvPicPr>
+        <p:blipFill>
+          <a:blip r:embed="rId2">
+            <a:extLst>
+              <a:ext uri="{28A0092B-C50C-407E-A947-70E740481C1C}">
+                <a14:useLocalDpi xmlns:a14="http://schemas.microsoft.com/office/drawing/2010/main" val="0"/>
+              </a:ext>
+            </a:extLst>
+          </a:blip>
+          <a:srcRect/>
+          <a:stretch>
+            <a:fillRect/>
+          </a:stretch>
+        </p:blipFill>
+        <p:spPr bwMode="auto">
+          <a:xfrm>
+            <a:off x="2195736" y="3229798"/>
+            <a:ext cx="5315906" cy="3318375"/>
+          </a:xfrm>
+          <a:prstGeom prst="rect">
+            <a:avLst/>
+          </a:prstGeom>
+          <a:noFill/>
+          <a:ln>
+            <a:solidFill>
+              <a:srgbClr val="C00000"/>
+            </a:solidFill>
+          </a:ln>
+          <a:extLst>
+            <a:ext uri="{909E8E84-426E-40DD-AFC4-6F175D3DCCD1}">
+              <a14:hiddenFill xmlns:a14="http://schemas.microsoft.com/office/drawing/2010/main">
+                <a:solidFill>
+                  <a:srgbClr val="FFFFFF"/>
+                </a:solidFill>
+              </a14:hiddenFill>
+            </a:ext>
+          </a:extLst>
+        </p:spPr>
+      </p:pic>
+    </p:spTree>
+    <p:extLst>
+      <p:ext uri="{BB962C8B-B14F-4D97-AF65-F5344CB8AC3E}">
+        <p14:creationId xmlns:p14="http://schemas.microsoft.com/office/powerpoint/2010/main" val="2115361124"/>
+      </p:ext>
+    </p:extLst>
+  </p:cSld>
+  <p:clrMapOvr>
+    <a:masterClrMapping/>
+  </p:clrMapOvr>
+</p:sld>
+</file>
+
+<file path=ppt/slides/slide6.xml><?xml version="1.0" encoding="utf-8"?>
+<p:sld xmlns:a="http://schemas.openxmlformats.org/drawingml/2006/main" xmlns:r="http://schemas.openxmlformats.org/officeDocument/2006/relationships" xmlns:p="http://schemas.openxmlformats.org/presentationml/2006/main">
+  <p:cSld>
+    <p:spTree>
+      <p:nvGrpSpPr>
+        <p:cNvPr id="1" name=""/>
+        <p:cNvGrpSpPr/>
+        <p:nvPr/>
+      </p:nvGrpSpPr>
+      <p:grpSpPr>
+        <a:xfrm>
+          <a:off x="0" y="0"/>
+          <a:ext cx="0" cy="0"/>
+          <a:chOff x="0" y="0"/>
+          <a:chExt cx="0" cy="0"/>
+        </a:xfrm>
+      </p:grpSpPr>
+      <p:sp>
+        <p:nvSpPr>
+          <p:cNvPr id="2" name="標題 1"/>
+          <p:cNvSpPr>
+            <a:spLocks noGrp="1"/>
+          </p:cNvSpPr>
+          <p:nvPr>
+            <p:ph type="ctrTitle"/>
+          </p:nvPr>
+        </p:nvSpPr>
+        <p:spPr>
+          <a:xfrm>
             <a:off x="0" y="2130425"/>
             <a:ext cx="9144000" cy="1470025"/>
           </a:xfrm>
@@ -8893,7 +10973,7 @@
             <a:fld id="{C389EDC9-19E3-47AC-9C57-C6A24DEA81AD}" type="datetime1">
               <a:rPr lang="zh-TW" altLang="en-US" smtClean="0"/>
               <a:pPr/>
-              <a:t>2020/9/12</a:t>
+              <a:t>2020/9/13</a:t>
             </a:fld>
             <a:endParaRPr lang="zh-TW" altLang="en-US"/>
           </a:p>
@@ -8917,7 +10997,7 @@
             <a:fld id="{E4D7E63D-91F2-4366-A2C4-1B00C9E2590E}" type="slidenum">
               <a:rPr lang="zh-TW" altLang="en-US" smtClean="0"/>
               <a:pPr/>
-              <a:t>4</a:t>
+              <a:t>6</a:t>
             </a:fld>
             <a:endParaRPr lang="zh-TW" altLang="en-US"/>
           </a:p>
@@ -8966,7 +11046,7 @@
 </p:sld>
 </file>
 
-<file path=ppt/slides/slide5.xml><?xml version="1.0" encoding="utf-8"?>
+<file path=ppt/slides/slide7.xml><?xml version="1.0" encoding="utf-8"?>
 <p:sld xmlns:a="http://schemas.openxmlformats.org/drawingml/2006/main" xmlns:r="http://schemas.openxmlformats.org/officeDocument/2006/relationships" xmlns:p="http://schemas.openxmlformats.org/presentationml/2006/main">
   <p:cSld>
     <p:spTree>
@@ -9235,7 +11315,7 @@
             <a:fld id="{A4F910E6-8D00-4BAF-8C48-9688E0B449D3}" type="datetime1">
               <a:rPr lang="zh-TW" altLang="en-US" smtClean="0"/>
               <a:pPr/>
-              <a:t>2020/9/12</a:t>
+              <a:t>2020/9/13</a:t>
             </a:fld>
             <a:endParaRPr lang="zh-TW" altLang="en-US"/>
           </a:p>
@@ -9259,7 +11339,7 @@
             <a:fld id="{E4D7E63D-91F2-4366-A2C4-1B00C9E2590E}" type="slidenum">
               <a:rPr lang="zh-TW" altLang="en-US" smtClean="0"/>
               <a:pPr/>
-              <a:t>5</a:t>
+              <a:t>7</a:t>
             </a:fld>
             <a:endParaRPr lang="zh-TW" altLang="en-US"/>
           </a:p>
@@ -9278,7 +11358,7 @@
 </p:sld>
 </file>
 
-<file path=ppt/slides/slide6.xml><?xml version="1.0" encoding="utf-8"?>
+<file path=ppt/slides/slide8.xml><?xml version="1.0" encoding="utf-8"?>
 <p:sld xmlns:a="http://schemas.openxmlformats.org/drawingml/2006/main" xmlns:r="http://schemas.openxmlformats.org/officeDocument/2006/relationships" xmlns:p="http://schemas.openxmlformats.org/presentationml/2006/main">
   <p:cSld>
     <p:spTree>
@@ -9622,7 +11702,7 @@
             <a:fld id="{A4F910E6-8D00-4BAF-8C48-9688E0B449D3}" type="datetime1">
               <a:rPr lang="zh-TW" altLang="en-US" smtClean="0"/>
               <a:pPr/>
-              <a:t>2020/9/12</a:t>
+              <a:t>2020/9/13</a:t>
             </a:fld>
             <a:endParaRPr lang="zh-TW" altLang="en-US"/>
           </a:p>
@@ -9646,7 +11726,7 @@
             <a:fld id="{E4D7E63D-91F2-4366-A2C4-1B00C9E2590E}" type="slidenum">
               <a:rPr lang="zh-TW" altLang="en-US" smtClean="0"/>
               <a:pPr/>
-              <a:t>6</a:t>
+              <a:t>8</a:t>
             </a:fld>
             <a:endParaRPr lang="zh-TW" altLang="en-US"/>
           </a:p>
@@ -9665,7 +11745,7 @@
 </p:sld>
 </file>
 
-<file path=ppt/slides/slide7.xml><?xml version="1.0" encoding="utf-8"?>
+<file path=ppt/slides/slide9.xml><?xml version="1.0" encoding="utf-8"?>
 <p:sld xmlns:a="http://schemas.openxmlformats.org/drawingml/2006/main" xmlns:r="http://schemas.openxmlformats.org/officeDocument/2006/relationships" xmlns:p="http://schemas.openxmlformats.org/presentationml/2006/main">
   <p:cSld>
     <p:spTree>
@@ -9741,7 +11821,7 @@
             <a:fld id="{C389EDC9-19E3-47AC-9C57-C6A24DEA81AD}" type="datetime1">
               <a:rPr lang="zh-TW" altLang="en-US" smtClean="0"/>
               <a:pPr/>
-              <a:t>2020/9/12</a:t>
+              <a:t>2020/9/13</a:t>
             </a:fld>
             <a:endParaRPr lang="zh-TW" altLang="en-US"/>
           </a:p>
@@ -9765,7 +11845,7 @@
             <a:fld id="{E4D7E63D-91F2-4366-A2C4-1B00C9E2590E}" type="slidenum">
               <a:rPr lang="zh-TW" altLang="en-US" smtClean="0"/>
               <a:pPr/>
-              <a:t>7</a:t>
+              <a:t>9</a:t>
             </a:fld>
             <a:endParaRPr lang="zh-TW" altLang="en-US"/>
           </a:p>
@@ -9805,846 +11885,6 @@
     <p:extLst>
       <p:ext uri="{BB962C8B-B14F-4D97-AF65-F5344CB8AC3E}">
         <p14:creationId xmlns:p14="http://schemas.microsoft.com/office/powerpoint/2010/main" val="600986395"/>
-      </p:ext>
-    </p:extLst>
-  </p:cSld>
-  <p:clrMapOvr>
-    <a:masterClrMapping/>
-  </p:clrMapOvr>
-</p:sld>
-</file>
-
-<file path=ppt/slides/slide8.xml><?xml version="1.0" encoding="utf-8"?>
-<p:sld xmlns:a="http://schemas.openxmlformats.org/drawingml/2006/main" xmlns:r="http://schemas.openxmlformats.org/officeDocument/2006/relationships" xmlns:p="http://schemas.openxmlformats.org/presentationml/2006/main">
-  <p:cSld>
-    <p:spTree>
-      <p:nvGrpSpPr>
-        <p:cNvPr id="1" name=""/>
-        <p:cNvGrpSpPr/>
-        <p:nvPr/>
-      </p:nvGrpSpPr>
-      <p:grpSpPr>
-        <a:xfrm>
-          <a:off x="0" y="0"/>
-          <a:ext cx="0" cy="0"/>
-          <a:chOff x="0" y="0"/>
-          <a:chExt cx="0" cy="0"/>
-        </a:xfrm>
-      </p:grpSpPr>
-      <p:sp>
-        <p:nvSpPr>
-          <p:cNvPr id="2" name="標題 1"/>
-          <p:cNvSpPr>
-            <a:spLocks noGrp="1"/>
-          </p:cNvSpPr>
-          <p:nvPr>
-            <p:ph type="ctrTitle"/>
-          </p:nvPr>
-        </p:nvSpPr>
-        <p:spPr>
-          <a:xfrm>
-            <a:off x="0" y="0"/>
-            <a:ext cx="9144000" cy="764704"/>
-          </a:xfrm>
-          <a:gradFill flip="none" rotWithShape="1">
-            <a:gsLst>
-              <a:gs pos="0">
-                <a:srgbClr val="C00000">
-                  <a:shade val="30000"/>
-                  <a:satMod val="115000"/>
-                </a:srgbClr>
-              </a:gs>
-              <a:gs pos="50000">
-                <a:srgbClr val="C00000">
-                  <a:shade val="67500"/>
-                  <a:satMod val="115000"/>
-                </a:srgbClr>
-              </a:gs>
-              <a:gs pos="100000">
-                <a:srgbClr val="C00000">
-                  <a:shade val="100000"/>
-                  <a:satMod val="115000"/>
-                </a:srgbClr>
-              </a:gs>
-            </a:gsLst>
-            <a:path path="circle">
-              <a:fillToRect t="100000" r="100000"/>
-            </a:path>
-            <a:tileRect l="-100000" b="-100000"/>
-          </a:gradFill>
-        </p:spPr>
-        <p:txBody>
-          <a:bodyPr>
-            <a:normAutofit/>
-          </a:bodyPr>
-          <a:lstStyle/>
-          <a:p>
-            <a:pPr algn="l"/>
-            <a:r>
-              <a:rPr lang="en-US" altLang="zh-TW" sz="4400" b="1" dirty="0">
-                <a:solidFill>
-                  <a:srgbClr val="FFFF00"/>
-                </a:solidFill>
-              </a:rPr>
-              <a:t>84.2 T-Statistics</a:t>
-            </a:r>
-            <a:endParaRPr lang="zh-TW" altLang="en-US" b="1" dirty="0">
-              <a:solidFill>
-                <a:srgbClr val="FFFF00"/>
-              </a:solidFill>
-            </a:endParaRPr>
-          </a:p>
-        </p:txBody>
-      </p:sp>
-      <p:sp>
-        <p:nvSpPr>
-          <p:cNvPr id="3" name="副標題 2"/>
-          <p:cNvSpPr>
-            <a:spLocks noGrp="1"/>
-          </p:cNvSpPr>
-          <p:nvPr>
-            <p:ph type="subTitle" idx="1"/>
-          </p:nvPr>
-        </p:nvSpPr>
-        <p:spPr>
-          <a:xfrm>
-            <a:off x="457200" y="1305201"/>
-            <a:ext cx="8291263" cy="2987895"/>
-          </a:xfrm>
-          <a:ln>
-            <a:solidFill>
-              <a:srgbClr val="C00000"/>
-            </a:solidFill>
-          </a:ln>
-        </p:spPr>
-        <p:txBody>
-          <a:bodyPr>
-            <a:noAutofit/>
-          </a:bodyPr>
-          <a:lstStyle/>
-          <a:p>
-            <a:pPr marL="342900" indent="-342900" algn="l">
-              <a:buClr>
-                <a:srgbClr val="0070C0"/>
-              </a:buClr>
-              <a:buSzPct val="80000"/>
-              <a:buFont typeface="Wingdings" pitchFamily="2" charset="2"/>
-              <a:buChar char="u"/>
-            </a:pPr>
-            <a:r>
-              <a:rPr lang="en-US" sz="1800" b="1" i="0" dirty="0">
-                <a:solidFill>
-                  <a:schemeClr val="tx1"/>
-                </a:solidFill>
-                <a:effectLst/>
-              </a:rPr>
-              <a:t>T-Statistics</a:t>
-            </a:r>
-            <a:endParaRPr lang="en-US" sz="1800" b="1" u="sng" dirty="0">
-              <a:solidFill>
-                <a:srgbClr val="007791"/>
-              </a:solidFill>
-            </a:endParaRPr>
-          </a:p>
-          <a:p>
-            <a:pPr marL="342900" indent="-342900" algn="l">
-              <a:buClr>
-                <a:srgbClr val="0070C0"/>
-              </a:buClr>
-              <a:buSzPct val="80000"/>
-              <a:buFont typeface="Wingdings" pitchFamily="2" charset="2"/>
-              <a:buChar char="u"/>
-            </a:pPr>
-            <a:r>
-              <a:rPr lang="en-US" sz="1800" b="1" dirty="0">
-                <a:solidFill>
-                  <a:schemeClr val="tx1"/>
-                </a:solidFill>
-              </a:rPr>
-              <a:t>A measure of the difference between the two sets expressed in units of standard error.</a:t>
-            </a:r>
-          </a:p>
-          <a:p>
-            <a:pPr marL="342900" indent="-342900" algn="l">
-              <a:buClr>
-                <a:srgbClr val="0070C0"/>
-              </a:buClr>
-              <a:buSzPct val="80000"/>
-              <a:buFont typeface="Wingdings" pitchFamily="2" charset="2"/>
-              <a:buChar char="u"/>
-            </a:pPr>
-            <a:r>
-              <a:rPr lang="en-US" sz="1800" b="1" i="0" dirty="0">
-                <a:solidFill>
-                  <a:schemeClr val="tx1"/>
-                </a:solidFill>
-                <a:effectLst/>
-              </a:rPr>
-              <a:t>The size of the difference r</a:t>
-            </a:r>
-            <a:r>
-              <a:rPr lang="en-US" sz="1800" b="1" dirty="0">
-                <a:solidFill>
-                  <a:schemeClr val="tx1"/>
-                </a:solidFill>
-              </a:rPr>
-              <a:t>elative to the variance in the data</a:t>
-            </a:r>
-          </a:p>
-          <a:p>
-            <a:pPr marL="342900" indent="-342900" algn="l">
-              <a:buClr>
-                <a:srgbClr val="0070C0"/>
-              </a:buClr>
-              <a:buSzPct val="80000"/>
-              <a:buFont typeface="Wingdings" pitchFamily="2" charset="2"/>
-              <a:buChar char="u"/>
-            </a:pPr>
-            <a:r>
-              <a:rPr lang="en-US" sz="1800" b="1" i="0" dirty="0">
-                <a:solidFill>
-                  <a:srgbClr val="C00000"/>
-                </a:solidFill>
-                <a:effectLst/>
-              </a:rPr>
-              <a:t>A high T value means </a:t>
-            </a:r>
-            <a:r>
-              <a:rPr lang="en-US" sz="1800" b="1" dirty="0">
-                <a:solidFill>
-                  <a:srgbClr val="C00000"/>
-                </a:solidFill>
-              </a:rPr>
-              <a:t>there is probably a real difference between the two sets.</a:t>
-            </a:r>
-          </a:p>
-          <a:p>
-            <a:pPr marL="342900" indent="-342900" algn="l">
-              <a:buClr>
-                <a:srgbClr val="0070C0"/>
-              </a:buClr>
-              <a:buSzPct val="80000"/>
-              <a:buFont typeface="Wingdings" pitchFamily="2" charset="2"/>
-              <a:buChar char="u"/>
-            </a:pPr>
-            <a:r>
-              <a:rPr lang="en-US" sz="1800" b="1" i="0" dirty="0">
-                <a:solidFill>
-                  <a:schemeClr val="tx1"/>
-                </a:solidFill>
-                <a:effectLst/>
-              </a:rPr>
-              <a:t>Assume a normal distribution of behavior</a:t>
-            </a:r>
-          </a:p>
-          <a:p>
-            <a:pPr marL="800100" lvl="1" indent="-342900" algn="l">
-              <a:buClr>
-                <a:srgbClr val="0070C0"/>
-              </a:buClr>
-              <a:buSzPct val="80000"/>
-              <a:buFont typeface="Wingdings" pitchFamily="2" charset="2"/>
-              <a:buChar char="u"/>
-            </a:pPr>
-            <a:r>
-              <a:rPr lang="en-US" sz="1800" b="1" dirty="0">
-                <a:solidFill>
-                  <a:schemeClr val="tx1"/>
-                </a:solidFill>
-              </a:rPr>
-              <a:t>This is a good assumption if your are measuring revenue as conversion</a:t>
-            </a:r>
-          </a:p>
-          <a:p>
-            <a:pPr marL="800100" lvl="1" indent="-342900" algn="l">
-              <a:buClr>
-                <a:srgbClr val="0070C0"/>
-              </a:buClr>
-              <a:buSzPct val="80000"/>
-              <a:buFont typeface="Wingdings" pitchFamily="2" charset="2"/>
-              <a:buChar char="u"/>
-            </a:pPr>
-            <a:r>
-              <a:rPr lang="en-US" sz="1800" b="1" dirty="0">
-                <a:solidFill>
-                  <a:schemeClr val="tx1"/>
-                </a:solidFill>
-              </a:rPr>
-              <a:t>See also: Fisher’s exact test (for clickthrough rates), E-test (for transaction per user), and chi-squared test (for product quantities purchased).</a:t>
-            </a:r>
-            <a:endParaRPr lang="en-US" sz="1800" b="1" i="0" dirty="0">
-              <a:solidFill>
-                <a:schemeClr val="tx1"/>
-              </a:solidFill>
-              <a:effectLst/>
-            </a:endParaRPr>
-          </a:p>
-        </p:txBody>
-      </p:sp>
-      <p:sp>
-        <p:nvSpPr>
-          <p:cNvPr id="4" name="標題 1"/>
-          <p:cNvSpPr txBox="1">
-            <a:spLocks/>
-          </p:cNvSpPr>
-          <p:nvPr/>
-        </p:nvSpPr>
-        <p:spPr>
-          <a:xfrm>
-            <a:off x="0" y="764704"/>
-            <a:ext cx="9144000" cy="360040"/>
-          </a:xfrm>
-          <a:prstGeom prst="rect">
-            <a:avLst/>
-          </a:prstGeom>
-          <a:gradFill flip="none" rotWithShape="1">
-            <a:gsLst>
-              <a:gs pos="0">
-                <a:srgbClr val="00B0F0">
-                  <a:shade val="30000"/>
-                  <a:satMod val="115000"/>
-                </a:srgbClr>
-              </a:gs>
-              <a:gs pos="50000">
-                <a:srgbClr val="00B0F0">
-                  <a:shade val="67500"/>
-                  <a:satMod val="115000"/>
-                </a:srgbClr>
-              </a:gs>
-              <a:gs pos="100000">
-                <a:srgbClr val="00B0F0">
-                  <a:shade val="100000"/>
-                  <a:satMod val="115000"/>
-                </a:srgbClr>
-              </a:gs>
-            </a:gsLst>
-            <a:path path="circle">
-              <a:fillToRect t="100000" r="100000"/>
-            </a:path>
-            <a:tileRect l="-100000" b="-100000"/>
-          </a:gradFill>
-        </p:spPr>
-        <p:txBody>
-          <a:bodyPr vert="horz" lIns="91440" tIns="45720" rIns="91440" bIns="45720" rtlCol="0" anchor="ctr">
-            <a:normAutofit/>
-          </a:bodyPr>
-          <a:lstStyle/>
-          <a:p>
-            <a:pPr lvl="0">
-              <a:spcBef>
-                <a:spcPct val="0"/>
-              </a:spcBef>
-            </a:pPr>
-            <a:r>
-              <a:rPr lang="en-US" sz="1600"/>
-              <a:t>https://github.com/peterhchen/900_Python_ML_DS_DL</a:t>
-            </a:r>
-            <a:endParaRPr kumimoji="0" lang="zh-TW" altLang="en-US" sz="1600" b="0" i="0" u="none" strike="noStrike" kern="1200" cap="none" spc="0" normalizeH="0" baseline="0" noProof="0">
-              <a:ln>
-                <a:noFill/>
-              </a:ln>
-              <a:solidFill>
-                <a:schemeClr val="tx1"/>
-              </a:solidFill>
-              <a:effectLst/>
-              <a:uLnTx/>
-              <a:uFillTx/>
-              <a:latin typeface="+mj-lt"/>
-              <a:ea typeface="+mj-ea"/>
-              <a:cs typeface="+mj-cs"/>
-            </a:endParaRPr>
-          </a:p>
-        </p:txBody>
-      </p:sp>
-      <p:sp>
-        <p:nvSpPr>
-          <p:cNvPr id="5" name="日期版面配置區 4"/>
-          <p:cNvSpPr>
-            <a:spLocks noGrp="1"/>
-          </p:cNvSpPr>
-          <p:nvPr>
-            <p:ph type="dt" sz="half" idx="10"/>
-          </p:nvPr>
-        </p:nvSpPr>
-        <p:spPr>
-          <a:xfrm>
-            <a:off x="457200" y="6343695"/>
-            <a:ext cx="2133600" cy="365125"/>
-          </a:xfrm>
-        </p:spPr>
-        <p:txBody>
-          <a:bodyPr/>
-          <a:lstStyle/>
-          <a:p>
-            <a:fld id="{A4F910E6-8D00-4BAF-8C48-9688E0B449D3}" type="datetime1">
-              <a:rPr lang="zh-TW" altLang="en-US" smtClean="0"/>
-              <a:pPr/>
-              <a:t>2020/9/12</a:t>
-            </a:fld>
-            <a:endParaRPr lang="zh-TW" altLang="en-US"/>
-          </a:p>
-        </p:txBody>
-      </p:sp>
-      <p:sp>
-        <p:nvSpPr>
-          <p:cNvPr id="6" name="投影片編號版面配置區 5"/>
-          <p:cNvSpPr>
-            <a:spLocks noGrp="1"/>
-          </p:cNvSpPr>
-          <p:nvPr>
-            <p:ph type="sldNum" sz="quarter" idx="12"/>
-          </p:nvPr>
-        </p:nvSpPr>
-        <p:spPr/>
-        <p:txBody>
-          <a:bodyPr/>
-          <a:lstStyle/>
-          <a:p>
-            <a:fld id="{E4D7E63D-91F2-4366-A2C4-1B00C9E2590E}" type="slidenum">
-              <a:rPr lang="zh-TW" altLang="en-US" smtClean="0"/>
-              <a:pPr/>
-              <a:t>8</a:t>
-            </a:fld>
-            <a:endParaRPr lang="zh-TW" altLang="en-US"/>
-          </a:p>
-        </p:txBody>
-      </p:sp>
-    </p:spTree>
-    <p:extLst>
-      <p:ext uri="{BB962C8B-B14F-4D97-AF65-F5344CB8AC3E}">
-        <p14:creationId xmlns:p14="http://schemas.microsoft.com/office/powerpoint/2010/main" val="1800300953"/>
-      </p:ext>
-    </p:extLst>
-  </p:cSld>
-  <p:clrMapOvr>
-    <a:masterClrMapping/>
-  </p:clrMapOvr>
-</p:sld>
-</file>
-
-<file path=ppt/slides/slide9.xml><?xml version="1.0" encoding="utf-8"?>
-<p:sld xmlns:a="http://schemas.openxmlformats.org/drawingml/2006/main" xmlns:r="http://schemas.openxmlformats.org/officeDocument/2006/relationships" xmlns:p="http://schemas.openxmlformats.org/presentationml/2006/main">
-  <p:cSld>
-    <p:spTree>
-      <p:nvGrpSpPr>
-        <p:cNvPr id="1" name=""/>
-        <p:cNvGrpSpPr/>
-        <p:nvPr/>
-      </p:nvGrpSpPr>
-      <p:grpSpPr>
-        <a:xfrm>
-          <a:off x="0" y="0"/>
-          <a:ext cx="0" cy="0"/>
-          <a:chOff x="0" y="0"/>
-          <a:chExt cx="0" cy="0"/>
-        </a:xfrm>
-      </p:grpSpPr>
-      <p:sp>
-        <p:nvSpPr>
-          <p:cNvPr id="2" name="標題 1"/>
-          <p:cNvSpPr>
-            <a:spLocks noGrp="1"/>
-          </p:cNvSpPr>
-          <p:nvPr>
-            <p:ph type="ctrTitle"/>
-          </p:nvPr>
-        </p:nvSpPr>
-        <p:spPr>
-          <a:xfrm>
-            <a:off x="0" y="0"/>
-            <a:ext cx="9144000" cy="764704"/>
-          </a:xfrm>
-          <a:gradFill flip="none" rotWithShape="1">
-            <a:gsLst>
-              <a:gs pos="0">
-                <a:srgbClr val="C00000">
-                  <a:shade val="30000"/>
-                  <a:satMod val="115000"/>
-                </a:srgbClr>
-              </a:gs>
-              <a:gs pos="50000">
-                <a:srgbClr val="C00000">
-                  <a:shade val="67500"/>
-                  <a:satMod val="115000"/>
-                </a:srgbClr>
-              </a:gs>
-              <a:gs pos="100000">
-                <a:srgbClr val="C00000">
-                  <a:shade val="100000"/>
-                  <a:satMod val="115000"/>
-                </a:srgbClr>
-              </a:gs>
-            </a:gsLst>
-            <a:path path="circle">
-              <a:fillToRect t="100000" r="100000"/>
-            </a:path>
-            <a:tileRect l="-100000" b="-100000"/>
-          </a:gradFill>
-        </p:spPr>
-        <p:txBody>
-          <a:bodyPr>
-            <a:normAutofit/>
-          </a:bodyPr>
-          <a:lstStyle/>
-          <a:p>
-            <a:pPr algn="l"/>
-            <a:r>
-              <a:rPr lang="en-US" altLang="zh-TW" sz="4400" b="1" dirty="0">
-                <a:solidFill>
-                  <a:srgbClr val="FFFF00"/>
-                </a:solidFill>
-              </a:rPr>
-              <a:t>84.2 T-Statistics</a:t>
-            </a:r>
-            <a:endParaRPr lang="zh-TW" altLang="en-US" b="1" dirty="0">
-              <a:solidFill>
-                <a:srgbClr val="FFFF00"/>
-              </a:solidFill>
-            </a:endParaRPr>
-          </a:p>
-        </p:txBody>
-      </p:sp>
-      <p:sp>
-        <p:nvSpPr>
-          <p:cNvPr id="3" name="副標題 2"/>
-          <p:cNvSpPr>
-            <a:spLocks noGrp="1"/>
-          </p:cNvSpPr>
-          <p:nvPr>
-            <p:ph type="subTitle" idx="1"/>
-          </p:nvPr>
-        </p:nvSpPr>
-        <p:spPr>
-          <a:xfrm>
-            <a:off x="611560" y="1405413"/>
-            <a:ext cx="8291263" cy="4831900"/>
-          </a:xfrm>
-          <a:ln>
-            <a:solidFill>
-              <a:srgbClr val="C00000"/>
-            </a:solidFill>
-          </a:ln>
-        </p:spPr>
-        <p:txBody>
-          <a:bodyPr>
-            <a:noAutofit/>
-          </a:bodyPr>
-          <a:lstStyle/>
-          <a:p>
-            <a:pPr marL="342900" indent="-342900" algn="l">
-              <a:buClr>
-                <a:srgbClr val="0070C0"/>
-              </a:buClr>
-              <a:buSzPct val="80000"/>
-              <a:buFont typeface="Wingdings" pitchFamily="2" charset="2"/>
-              <a:buChar char="u"/>
-            </a:pPr>
-            <a:r>
-              <a:rPr lang="en-US" sz="1800" b="1" i="0" dirty="0">
-                <a:solidFill>
-                  <a:schemeClr val="tx1"/>
-                </a:solidFill>
-                <a:effectLst/>
-              </a:rPr>
-              <a:t>T-Statistics</a:t>
-            </a:r>
-            <a:r>
-              <a:rPr lang="en-US" sz="1800" b="1" u="sng" dirty="0">
-                <a:solidFill>
-                  <a:srgbClr val="007791"/>
-                </a:solidFill>
-              </a:rPr>
-              <a:t> </a:t>
-            </a:r>
-            <a:r>
-              <a:rPr lang="en-US" sz="1800" b="1" i="0" dirty="0">
-                <a:solidFill>
-                  <a:schemeClr val="tx1"/>
-                </a:solidFill>
-                <a:effectLst/>
-              </a:rPr>
-              <a:t>(Explanation)</a:t>
-            </a:r>
-            <a:endParaRPr lang="en-US" sz="1800" b="1" dirty="0">
-              <a:solidFill>
-                <a:schemeClr val="tx1"/>
-              </a:solidFill>
-            </a:endParaRPr>
-          </a:p>
-          <a:p>
-            <a:pPr marL="342900" indent="-342900" algn="l">
-              <a:buClr>
-                <a:srgbClr val="0070C0"/>
-              </a:buClr>
-              <a:buSzPct val="80000"/>
-              <a:buFont typeface="Wingdings" pitchFamily="2" charset="2"/>
-              <a:buChar char="u"/>
-            </a:pPr>
-            <a:r>
-              <a:rPr lang="en-US" sz="1800" b="1" i="0" dirty="0">
-                <a:solidFill>
-                  <a:srgbClr val="29303B"/>
-                </a:solidFill>
-                <a:effectLst/>
-              </a:rPr>
-              <a:t>Let's start with the T-Statistic, also known as a T-Test. </a:t>
-            </a:r>
-          </a:p>
-          <a:p>
-            <a:pPr marL="342900" indent="-342900" algn="l">
-              <a:buClr>
-                <a:srgbClr val="0070C0"/>
-              </a:buClr>
-              <a:buSzPct val="80000"/>
-              <a:buFont typeface="Wingdings" pitchFamily="2" charset="2"/>
-              <a:buChar char="u"/>
-            </a:pPr>
-            <a:r>
-              <a:rPr lang="en-US" sz="1800" b="1" i="0" dirty="0">
-                <a:solidFill>
-                  <a:srgbClr val="29303B"/>
-                </a:solidFill>
-                <a:effectLst/>
-              </a:rPr>
-              <a:t>It's basically a measure of the difference in behavior between these two sets, between your control and treatment group, expressed in units of standard error.</a:t>
-            </a:r>
-          </a:p>
-          <a:p>
-            <a:pPr marL="342900" indent="-342900" algn="l">
-              <a:buClr>
-                <a:srgbClr val="0070C0"/>
-              </a:buClr>
-              <a:buSzPct val="80000"/>
-              <a:buFont typeface="Wingdings" pitchFamily="2" charset="2"/>
-              <a:buChar char="u"/>
-            </a:pPr>
-            <a:r>
-              <a:rPr lang="en-US" sz="1800" b="1" dirty="0">
-                <a:solidFill>
-                  <a:srgbClr val="29303B"/>
-                </a:solidFill>
-              </a:rPr>
-              <a:t>So i</a:t>
-            </a:r>
-            <a:r>
-              <a:rPr lang="en-US" sz="1800" b="1" i="0" dirty="0">
-                <a:solidFill>
-                  <a:srgbClr val="29303B"/>
-                </a:solidFill>
-                <a:effectLst/>
-              </a:rPr>
-              <a:t>t is based on standard error, which accounts for the variance inherent in the data itself, so by normalizing everything by that standard error, we get some measure of the change in behavior between these two groups, that takes that variance into account.</a:t>
-            </a:r>
-          </a:p>
-          <a:p>
-            <a:pPr marL="342900" indent="-342900" algn="l">
-              <a:buClr>
-                <a:srgbClr val="0070C0"/>
-              </a:buClr>
-              <a:buSzPct val="80000"/>
-              <a:buFont typeface="Wingdings" pitchFamily="2" charset="2"/>
-              <a:buChar char="u"/>
-            </a:pPr>
-            <a:r>
-              <a:rPr lang="en-US" sz="1800" b="1" i="0" dirty="0">
-                <a:solidFill>
-                  <a:srgbClr val="29303B"/>
-                </a:solidFill>
-                <a:effectLst/>
-              </a:rPr>
-              <a:t>The way to interpret a T-Statistic is that </a:t>
-            </a:r>
-            <a:r>
-              <a:rPr lang="en-US" sz="1800" b="1" i="0" dirty="0">
-                <a:solidFill>
-                  <a:srgbClr val="C00000"/>
-                </a:solidFill>
-                <a:effectLst/>
-              </a:rPr>
-              <a:t>a high T-Value means there's probably a real difference between these two sets.</a:t>
-            </a:r>
-            <a:r>
-              <a:rPr lang="en-US" sz="1800" b="1" i="0" dirty="0">
-                <a:solidFill>
-                  <a:srgbClr val="29303B"/>
-                </a:solidFill>
-                <a:effectLst/>
-              </a:rPr>
-              <a:t> Of course, a low T-Value means not so much. </a:t>
-            </a:r>
-          </a:p>
-          <a:p>
-            <a:pPr marL="342900" indent="-342900" algn="l">
-              <a:buClr>
-                <a:srgbClr val="0070C0"/>
-              </a:buClr>
-              <a:buSzPct val="80000"/>
-              <a:buFont typeface="Wingdings" pitchFamily="2" charset="2"/>
-              <a:buChar char="u"/>
-            </a:pPr>
-            <a:r>
-              <a:rPr lang="en-US" sz="1800" b="1" i="0" dirty="0">
-                <a:solidFill>
-                  <a:srgbClr val="29303B"/>
-                </a:solidFill>
-                <a:effectLst/>
-              </a:rPr>
-              <a:t>You have to decide, you know, what's a threshold that you're willing to accept and the sign of the T-Statistic will tell you if it's a positive or a negative change.</a:t>
-            </a:r>
-          </a:p>
-          <a:p>
-            <a:pPr marL="342900" indent="-342900" algn="l">
-              <a:buClr>
-                <a:srgbClr val="0070C0"/>
-              </a:buClr>
-              <a:buSzPct val="80000"/>
-              <a:buFont typeface="Wingdings" pitchFamily="2" charset="2"/>
-              <a:buChar char="u"/>
-            </a:pPr>
-            <a:r>
-              <a:rPr lang="en-US" sz="1800" b="1" i="0" dirty="0">
-                <a:solidFill>
-                  <a:srgbClr val="29303B"/>
-                </a:solidFill>
-                <a:effectLst/>
-              </a:rPr>
-              <a:t>If you're comparing your control to your treatment group and you end up with a negative T-Statistic, that implies that this is a bad change, if that absolute value of that T-Statistic is large.</a:t>
-            </a:r>
-          </a:p>
-        </p:txBody>
-      </p:sp>
-      <p:sp>
-        <p:nvSpPr>
-          <p:cNvPr id="4" name="標題 1"/>
-          <p:cNvSpPr txBox="1">
-            <a:spLocks/>
-          </p:cNvSpPr>
-          <p:nvPr/>
-        </p:nvSpPr>
-        <p:spPr>
-          <a:xfrm>
-            <a:off x="0" y="764704"/>
-            <a:ext cx="9144000" cy="360040"/>
-          </a:xfrm>
-          <a:prstGeom prst="rect">
-            <a:avLst/>
-          </a:prstGeom>
-          <a:gradFill flip="none" rotWithShape="1">
-            <a:gsLst>
-              <a:gs pos="0">
-                <a:srgbClr val="00B0F0">
-                  <a:shade val="30000"/>
-                  <a:satMod val="115000"/>
-                </a:srgbClr>
-              </a:gs>
-              <a:gs pos="50000">
-                <a:srgbClr val="00B0F0">
-                  <a:shade val="67500"/>
-                  <a:satMod val="115000"/>
-                </a:srgbClr>
-              </a:gs>
-              <a:gs pos="100000">
-                <a:srgbClr val="00B0F0">
-                  <a:shade val="100000"/>
-                  <a:satMod val="115000"/>
-                </a:srgbClr>
-              </a:gs>
-            </a:gsLst>
-            <a:path path="circle">
-              <a:fillToRect t="100000" r="100000"/>
-            </a:path>
-            <a:tileRect l="-100000" b="-100000"/>
-          </a:gradFill>
-        </p:spPr>
-        <p:txBody>
-          <a:bodyPr vert="horz" lIns="91440" tIns="45720" rIns="91440" bIns="45720" rtlCol="0" anchor="ctr">
-            <a:normAutofit/>
-          </a:bodyPr>
-          <a:lstStyle/>
-          <a:p>
-            <a:pPr lvl="0">
-              <a:spcBef>
-                <a:spcPct val="0"/>
-              </a:spcBef>
-            </a:pPr>
-            <a:r>
-              <a:rPr lang="en-US" sz="1600"/>
-              <a:t>https://github.com/peterhchen/900_Python_ML_DS_DL</a:t>
-            </a:r>
-            <a:endParaRPr kumimoji="0" lang="zh-TW" altLang="en-US" sz="1600" b="0" i="0" u="none" strike="noStrike" kern="1200" cap="none" spc="0" normalizeH="0" baseline="0" noProof="0">
-              <a:ln>
-                <a:noFill/>
-              </a:ln>
-              <a:solidFill>
-                <a:schemeClr val="tx1"/>
-              </a:solidFill>
-              <a:effectLst/>
-              <a:uLnTx/>
-              <a:uFillTx/>
-              <a:latin typeface="+mj-lt"/>
-              <a:ea typeface="+mj-ea"/>
-              <a:cs typeface="+mj-cs"/>
-            </a:endParaRPr>
-          </a:p>
-        </p:txBody>
-      </p:sp>
-      <p:sp>
-        <p:nvSpPr>
-          <p:cNvPr id="5" name="日期版面配置區 4"/>
-          <p:cNvSpPr>
-            <a:spLocks noGrp="1"/>
-          </p:cNvSpPr>
-          <p:nvPr>
-            <p:ph type="dt" sz="half" idx="10"/>
-          </p:nvPr>
-        </p:nvSpPr>
-        <p:spPr>
-          <a:xfrm>
-            <a:off x="457200" y="6343695"/>
-            <a:ext cx="2133600" cy="365125"/>
-          </a:xfrm>
-        </p:spPr>
-        <p:txBody>
-          <a:bodyPr/>
-          <a:lstStyle/>
-          <a:p>
-            <a:fld id="{A4F910E6-8D00-4BAF-8C48-9688E0B449D3}" type="datetime1">
-              <a:rPr lang="zh-TW" altLang="en-US" smtClean="0"/>
-              <a:pPr/>
-              <a:t>2020/9/12</a:t>
-            </a:fld>
-            <a:endParaRPr lang="zh-TW" altLang="en-US"/>
-          </a:p>
-        </p:txBody>
-      </p:sp>
-      <p:sp>
-        <p:nvSpPr>
-          <p:cNvPr id="6" name="投影片編號版面配置區 5"/>
-          <p:cNvSpPr>
-            <a:spLocks noGrp="1"/>
-          </p:cNvSpPr>
-          <p:nvPr>
-            <p:ph type="sldNum" sz="quarter" idx="12"/>
-          </p:nvPr>
-        </p:nvSpPr>
-        <p:spPr/>
-        <p:txBody>
-          <a:bodyPr/>
-          <a:lstStyle/>
-          <a:p>
-            <a:fld id="{E4D7E63D-91F2-4366-A2C4-1B00C9E2590E}" type="slidenum">
-              <a:rPr lang="zh-TW" altLang="en-US" smtClean="0"/>
-              <a:pPr/>
-              <a:t>9</a:t>
-            </a:fld>
-            <a:endParaRPr lang="zh-TW" altLang="en-US"/>
-          </a:p>
-        </p:txBody>
-      </p:sp>
-    </p:spTree>
-    <p:extLst>
-      <p:ext uri="{BB962C8B-B14F-4D97-AF65-F5344CB8AC3E}">
-        <p14:creationId xmlns:p14="http://schemas.microsoft.com/office/powerpoint/2010/main" val="4120002499"/>
       </p:ext>
     </p:extLst>
   </p:cSld>
